--- a/presentation/Sistemas de Inteligencia Artificial.pptx
+++ b/presentation/Sistemas de Inteligencia Artificial.pptx
@@ -18,8 +18,9 @@
     <p:sldId id="266" r:id="rId12"/>
     <p:sldId id="268" r:id="rId13"/>
     <p:sldId id="269" r:id="rId14"/>
-    <p:sldId id="270" r:id="rId15"/>
-    <p:sldId id="267" r:id="rId16"/>
+    <p:sldId id="271" r:id="rId15"/>
+    <p:sldId id="270" r:id="rId16"/>
+    <p:sldId id="267" r:id="rId17"/>
   </p:sldIdLst>
   <p:sldSz cx="9144000" cy="6858000" type="screen4x3"/>
   <p:notesSz cx="6858000" cy="9144000"/>
@@ -124,7 +125,7 @@
 <file path=ppt/charts/chart1.xml><?xml version="1.0" encoding="utf-8"?>
 <c:chartSpace xmlns:c="http://schemas.openxmlformats.org/drawingml/2006/chart" xmlns:a="http://schemas.openxmlformats.org/drawingml/2006/main" xmlns:r="http://schemas.openxmlformats.org/officeDocument/2006/relationships">
   <c:date1904 val="0"/>
-  <c:lang val="es-AR"/>
+  <c:lang val="en-US"/>
   <c:roundedCorners val="0"/>
   <mc:AlternateContent xmlns:mc="http://schemas.openxmlformats.org/markup-compatibility/2006">
     <mc:Choice xmlns:c14="http://schemas.microsoft.com/office/drawing/2007/8/2/chart" Requires="c14">
@@ -184,13 +185,13 @@
                 <c:formatCode>General</c:formatCode>
                 <c:ptCount val="4"/>
                 <c:pt idx="0">
-                  <c:v>0.22881000000000001</c:v>
+                  <c:v>0.22881</c:v>
                 </c:pt>
                 <c:pt idx="1">
-                  <c:v>0.22642000000000001</c:v>
+                  <c:v>0.22642</c:v>
                 </c:pt>
                 <c:pt idx="2">
-                  <c:v>0.23566000000000001</c:v>
+                  <c:v>0.23566</c:v>
                 </c:pt>
                 <c:pt idx="3">
                   <c:v>0.20296</c:v>
@@ -241,16 +242,16 @@
                 <c:formatCode>General</c:formatCode>
                 <c:ptCount val="4"/>
                 <c:pt idx="0">
-                  <c:v>0.11849999999999999</c:v>
+                  <c:v>0.1185</c:v>
                 </c:pt>
                 <c:pt idx="1">
-                  <c:v>4.2200000000000001E-2</c:v>
+                  <c:v>0.0422</c:v>
                 </c:pt>
                 <c:pt idx="2">
                   <c:v>0.1149</c:v>
                 </c:pt>
                 <c:pt idx="3">
-                  <c:v>3.8199999999999998E-2</c:v>
+                  <c:v>0.0382</c:v>
                 </c:pt>
               </c:numCache>
             </c:numRef>
@@ -265,11 +266,11 @@
           <c:showBubbleSize val="0"/>
         </c:dLbls>
         <c:gapWidth val="150"/>
-        <c:axId val="33871744"/>
-        <c:axId val="33873280"/>
+        <c:axId val="2079083864"/>
+        <c:axId val="2093666840"/>
       </c:barChart>
       <c:catAx>
-        <c:axId val="33871744"/>
+        <c:axId val="2079083864"/>
         <c:scaling>
           <c:orientation val="minMax"/>
         </c:scaling>
@@ -278,7 +279,7 @@
         <c:majorTickMark val="out"/>
         <c:minorTickMark val="none"/>
         <c:tickLblPos val="nextTo"/>
-        <c:crossAx val="33873280"/>
+        <c:crossAx val="2093666840"/>
         <c:crosses val="autoZero"/>
         <c:auto val="1"/>
         <c:lblAlgn val="ctr"/>
@@ -286,7 +287,7 @@
         <c:noMultiLvlLbl val="0"/>
       </c:catAx>
       <c:valAx>
-        <c:axId val="33873280"/>
+        <c:axId val="2093666840"/>
         <c:scaling>
           <c:orientation val="minMax"/>
         </c:scaling>
@@ -297,13 +298,14 @@
         <c:majorTickMark val="out"/>
         <c:minorTickMark val="none"/>
         <c:tickLblPos val="nextTo"/>
-        <c:crossAx val="33871744"/>
+        <c:crossAx val="2079083864"/>
         <c:crosses val="autoZero"/>
         <c:crossBetween val="between"/>
       </c:valAx>
     </c:plotArea>
     <c:legend>
       <c:legendPos val="r"/>
+      <c:layout/>
       <c:overlay val="0"/>
     </c:legend>
     <c:plotVisOnly val="1"/>
@@ -319,7 +321,7 @@
 <file path=ppt/charts/chart2.xml><?xml version="1.0" encoding="utf-8"?>
 <c:chartSpace xmlns:c="http://schemas.openxmlformats.org/drawingml/2006/chart" xmlns:a="http://schemas.openxmlformats.org/drawingml/2006/main" xmlns:r="http://schemas.openxmlformats.org/officeDocument/2006/relationships">
   <c:date1904 val="0"/>
-  <c:lang val="es-AR"/>
+  <c:lang val="en-US"/>
   <c:roundedCorners val="0"/>
   <mc:AlternateContent xmlns:mc="http://schemas.openxmlformats.org/markup-compatibility/2006">
     <mc:Choice xmlns:c14="http://schemas.microsoft.com/office/drawing/2007/8/2/chart" Requires="c14">
@@ -379,13 +381,13 @@
                 <c:formatCode>General</c:formatCode>
                 <c:ptCount val="4"/>
                 <c:pt idx="0">
-                  <c:v>0.23749000000000001</c:v>
+                  <c:v>0.23749</c:v>
                 </c:pt>
                 <c:pt idx="1">
-                  <c:v>0.22126999999999999</c:v>
+                  <c:v>0.22127</c:v>
                 </c:pt>
                 <c:pt idx="2">
-                  <c:v>0.22961999999999999</c:v>
+                  <c:v>0.22962</c:v>
                 </c:pt>
                 <c:pt idx="3">
                   <c:v>0.21647</c:v>
@@ -439,13 +441,13 @@
                   <c:v>0.1091</c:v>
                 </c:pt>
                 <c:pt idx="1">
-                  <c:v>8.3699999999999997E-2</c:v>
+                  <c:v>0.0837</c:v>
                 </c:pt>
                 <c:pt idx="2">
                   <c:v>0.1134</c:v>
                 </c:pt>
                 <c:pt idx="3">
-                  <c:v>8.3099999999999993E-2</c:v>
+                  <c:v>0.0831</c:v>
                 </c:pt>
               </c:numCache>
             </c:numRef>
@@ -460,11 +462,11 @@
           <c:showBubbleSize val="0"/>
         </c:dLbls>
         <c:gapWidth val="150"/>
-        <c:axId val="35227520"/>
-        <c:axId val="35229056"/>
+        <c:axId val="2142697704"/>
+        <c:axId val="2142700680"/>
       </c:barChart>
       <c:catAx>
-        <c:axId val="35227520"/>
+        <c:axId val="2142697704"/>
         <c:scaling>
           <c:orientation val="minMax"/>
         </c:scaling>
@@ -473,7 +475,7 @@
         <c:majorTickMark val="out"/>
         <c:minorTickMark val="none"/>
         <c:tickLblPos val="nextTo"/>
-        <c:crossAx val="35229056"/>
+        <c:crossAx val="2142700680"/>
         <c:crosses val="autoZero"/>
         <c:auto val="1"/>
         <c:lblAlgn val="ctr"/>
@@ -481,7 +483,7 @@
         <c:noMultiLvlLbl val="0"/>
       </c:catAx>
       <c:valAx>
-        <c:axId val="35229056"/>
+        <c:axId val="2142700680"/>
         <c:scaling>
           <c:orientation val="minMax"/>
         </c:scaling>
@@ -492,7 +494,7 @@
         <c:majorTickMark val="out"/>
         <c:minorTickMark val="none"/>
         <c:tickLblPos val="nextTo"/>
-        <c:crossAx val="35227520"/>
+        <c:crossAx val="2142697704"/>
         <c:crosses val="autoZero"/>
         <c:crossBetween val="between"/>
       </c:valAx>
@@ -515,7 +517,7 @@
 <file path=ppt/charts/chart3.xml><?xml version="1.0" encoding="utf-8"?>
 <c:chartSpace xmlns:c="http://schemas.openxmlformats.org/drawingml/2006/chart" xmlns:a="http://schemas.openxmlformats.org/drawingml/2006/main" xmlns:r="http://schemas.openxmlformats.org/officeDocument/2006/relationships">
   <c:date1904 val="0"/>
-  <c:lang val="es-AR"/>
+  <c:lang val="en-US"/>
   <c:roundedCorners val="0"/>
   <mc:AlternateContent xmlns:mc="http://schemas.openxmlformats.org/markup-compatibility/2006">
     <mc:Choice xmlns:c14="http://schemas.microsoft.com/office/drawing/2007/8/2/chart" Requires="c14">
@@ -581,7 +583,7 @@
                 <c:formatCode>General</c:formatCode>
                 <c:ptCount val="6"/>
                 <c:pt idx="0">
-                  <c:v>1.023E-2</c:v>
+                  <c:v>0.01023</c:v>
                 </c:pt>
                 <c:pt idx="1">
                   <c:v>0.22511</c:v>
@@ -593,10 +595,10 @@
                   <c:v>0.1812</c:v>
                 </c:pt>
                 <c:pt idx="4">
-                  <c:v>0.12654000000000001</c:v>
+                  <c:v>0.12654</c:v>
                 </c:pt>
                 <c:pt idx="5">
-                  <c:v>9.6149999999999999E-2</c:v>
+                  <c:v>0.09615</c:v>
                 </c:pt>
               </c:numCache>
             </c:numRef>
@@ -650,22 +652,22 @@
                 <c:formatCode>General</c:formatCode>
                 <c:ptCount val="6"/>
                 <c:pt idx="0">
-                  <c:v>4.5311E-4</c:v>
+                  <c:v>0.00045311</c:v>
                 </c:pt>
                 <c:pt idx="1">
-                  <c:v>5.9700000000000003E-2</c:v>
+                  <c:v>0.0597</c:v>
                 </c:pt>
                 <c:pt idx="2">
-                  <c:v>9.7000000000000003E-2</c:v>
+                  <c:v>0.097</c:v>
                 </c:pt>
                 <c:pt idx="3">
                   <c:v>0.1065</c:v>
                 </c:pt>
                 <c:pt idx="4">
-                  <c:v>8.3285E-4</c:v>
+                  <c:v>0.00083285</c:v>
                 </c:pt>
                 <c:pt idx="5">
-                  <c:v>2E-3</c:v>
+                  <c:v>0.002</c:v>
                 </c:pt>
               </c:numCache>
             </c:numRef>
@@ -680,11 +682,11 @@
           <c:showBubbleSize val="0"/>
         </c:dLbls>
         <c:gapWidth val="150"/>
-        <c:axId val="36089216"/>
-        <c:axId val="36308096"/>
+        <c:axId val="2142743656"/>
+        <c:axId val="2142746632"/>
       </c:barChart>
       <c:catAx>
-        <c:axId val="36089216"/>
+        <c:axId val="2142743656"/>
         <c:scaling>
           <c:orientation val="minMax"/>
         </c:scaling>
@@ -693,7 +695,7 @@
         <c:majorTickMark val="out"/>
         <c:minorTickMark val="none"/>
         <c:tickLblPos val="nextTo"/>
-        <c:crossAx val="36308096"/>
+        <c:crossAx val="2142746632"/>
         <c:crosses val="autoZero"/>
         <c:auto val="1"/>
         <c:lblAlgn val="ctr"/>
@@ -701,7 +703,7 @@
         <c:noMultiLvlLbl val="0"/>
       </c:catAx>
       <c:valAx>
-        <c:axId val="36308096"/>
+        <c:axId val="2142746632"/>
         <c:scaling>
           <c:orientation val="minMax"/>
         </c:scaling>
@@ -712,7 +714,7 @@
         <c:majorTickMark val="out"/>
         <c:minorTickMark val="none"/>
         <c:tickLblPos val="nextTo"/>
-        <c:crossAx val="36089216"/>
+        <c:crossAx val="2142743656"/>
         <c:crosses val="autoZero"/>
         <c:crossBetween val="between"/>
       </c:valAx>
@@ -735,7 +737,7 @@
 <file path=ppt/charts/chart4.xml><?xml version="1.0" encoding="utf-8"?>
 <c:chartSpace xmlns:c="http://schemas.openxmlformats.org/drawingml/2006/chart" xmlns:a="http://schemas.openxmlformats.org/drawingml/2006/main" xmlns:r="http://schemas.openxmlformats.org/officeDocument/2006/relationships">
   <c:date1904 val="0"/>
-  <c:lang val="es-AR"/>
+  <c:lang val="en-US"/>
   <c:roundedCorners val="0"/>
   <mc:AlternateContent xmlns:mc="http://schemas.openxmlformats.org/markup-compatibility/2006">
     <mc:Choice xmlns:c14="http://schemas.microsoft.com/office/drawing/2007/8/2/chart" Requires="c14">
@@ -792,10 +794,10 @@
                 <c:formatCode>General</c:formatCode>
                 <c:ptCount val="3"/>
                 <c:pt idx="0">
-                  <c:v>3.388E-2</c:v>
+                  <c:v>0.03388</c:v>
                 </c:pt>
                 <c:pt idx="1">
-                  <c:v>6.9989999999999997E-2</c:v>
+                  <c:v>0.06999</c:v>
                 </c:pt>
                 <c:pt idx="2">
                   <c:v>0.112</c:v>
@@ -843,13 +845,13 @@
                 <c:formatCode>General</c:formatCode>
                 <c:ptCount val="3"/>
                 <c:pt idx="0">
-                  <c:v>7.2059999999999995E-4</c:v>
+                  <c:v>0.0007206</c:v>
                 </c:pt>
                 <c:pt idx="1">
-                  <c:v>2.5000000000000001E-3</c:v>
+                  <c:v>0.0025</c:v>
                 </c:pt>
                 <c:pt idx="2">
-                  <c:v>4.4000000000000003E-3</c:v>
+                  <c:v>0.0044</c:v>
                 </c:pt>
               </c:numCache>
             </c:numRef>
@@ -864,11 +866,11 @@
           <c:showBubbleSize val="0"/>
         </c:dLbls>
         <c:gapWidth val="150"/>
-        <c:axId val="78718080"/>
-        <c:axId val="78720384"/>
+        <c:axId val="2093716664"/>
+        <c:axId val="2093719640"/>
       </c:barChart>
       <c:catAx>
-        <c:axId val="78718080"/>
+        <c:axId val="2093716664"/>
         <c:scaling>
           <c:orientation val="minMax"/>
         </c:scaling>
@@ -877,7 +879,7 @@
         <c:majorTickMark val="out"/>
         <c:minorTickMark val="none"/>
         <c:tickLblPos val="nextTo"/>
-        <c:crossAx val="78720384"/>
+        <c:crossAx val="2093719640"/>
         <c:crosses val="autoZero"/>
         <c:auto val="1"/>
         <c:lblAlgn val="ctr"/>
@@ -885,7 +887,7 @@
         <c:noMultiLvlLbl val="0"/>
       </c:catAx>
       <c:valAx>
-        <c:axId val="78720384"/>
+        <c:axId val="2093719640"/>
         <c:scaling>
           <c:orientation val="minMax"/>
         </c:scaling>
@@ -896,7 +898,7 @@
         <c:majorTickMark val="out"/>
         <c:minorTickMark val="none"/>
         <c:tickLblPos val="nextTo"/>
-        <c:crossAx val="78718080"/>
+        <c:crossAx val="2093716664"/>
         <c:crosses val="autoZero"/>
         <c:crossBetween val="between"/>
       </c:valAx>
@@ -919,7 +921,7 @@
 <file path=ppt/charts/chart5.xml><?xml version="1.0" encoding="utf-8"?>
 <c:chartSpace xmlns:c="http://schemas.openxmlformats.org/drawingml/2006/chart" xmlns:a="http://schemas.openxmlformats.org/drawingml/2006/main" xmlns:r="http://schemas.openxmlformats.org/officeDocument/2006/relationships">
   <c:date1904 val="0"/>
-  <c:lang val="es-AR"/>
+  <c:lang val="en-US"/>
   <c:roundedCorners val="0"/>
   <mc:AlternateContent xmlns:mc="http://schemas.openxmlformats.org/markup-compatibility/2006">
     <mc:Choice xmlns:c14="http://schemas.microsoft.com/office/drawing/2007/8/2/chart" Requires="c14">
@@ -973,10 +975,10 @@
                 <c:formatCode>General</c:formatCode>
                 <c:ptCount val="2"/>
                 <c:pt idx="0">
-                  <c:v>1.023E-2</c:v>
+                  <c:v>0.01023</c:v>
                 </c:pt>
                 <c:pt idx="1">
-                  <c:v>0.11806999999999999</c:v>
+                  <c:v>0.11807</c:v>
                 </c:pt>
               </c:numCache>
             </c:numRef>
@@ -1018,7 +1020,7 @@
                 <c:formatCode>General</c:formatCode>
                 <c:ptCount val="2"/>
                 <c:pt idx="0">
-                  <c:v>4.5311E-4</c:v>
+                  <c:v>0.00045311</c:v>
                 </c:pt>
                 <c:pt idx="1">
                   <c:v>0.1162</c:v>
@@ -1036,11 +1038,11 @@
           <c:showBubbleSize val="0"/>
         </c:dLbls>
         <c:gapWidth val="150"/>
-        <c:axId val="78155136"/>
-        <c:axId val="78120064"/>
+        <c:axId val="2093763736"/>
+        <c:axId val="2093766712"/>
       </c:barChart>
       <c:catAx>
-        <c:axId val="78155136"/>
+        <c:axId val="2093763736"/>
         <c:scaling>
           <c:orientation val="minMax"/>
         </c:scaling>
@@ -1049,7 +1051,7 @@
         <c:majorTickMark val="out"/>
         <c:minorTickMark val="none"/>
         <c:tickLblPos val="nextTo"/>
-        <c:crossAx val="78120064"/>
+        <c:crossAx val="2093766712"/>
         <c:crosses val="autoZero"/>
         <c:auto val="1"/>
         <c:lblAlgn val="ctr"/>
@@ -1057,7 +1059,7 @@
         <c:noMultiLvlLbl val="0"/>
       </c:catAx>
       <c:valAx>
-        <c:axId val="78120064"/>
+        <c:axId val="2093766712"/>
         <c:scaling>
           <c:orientation val="minMax"/>
         </c:scaling>
@@ -1068,7 +1070,7 @@
         <c:majorTickMark val="out"/>
         <c:minorTickMark val="none"/>
         <c:tickLblPos val="nextTo"/>
-        <c:crossAx val="78155136"/>
+        <c:crossAx val="2093763736"/>
         <c:crosses val="autoZero"/>
         <c:crossBetween val="between"/>
       </c:valAx>
@@ -1091,7 +1093,7 @@
 <file path=ppt/charts/chart6.xml><?xml version="1.0" encoding="utf-8"?>
 <c:chartSpace xmlns:c="http://schemas.openxmlformats.org/drawingml/2006/chart" xmlns:a="http://schemas.openxmlformats.org/drawingml/2006/main" xmlns:r="http://schemas.openxmlformats.org/officeDocument/2006/relationships">
   <c:date1904 val="0"/>
-  <c:lang val="es-AR"/>
+  <c:lang val="en-US"/>
   <c:roundedCorners val="0"/>
   <mc:AlternateContent xmlns:mc="http://schemas.openxmlformats.org/markup-compatibility/2006">
     <mc:Choice xmlns:c14="http://schemas.microsoft.com/office/drawing/2007/8/2/chart" Requires="c14">
@@ -1145,10 +1147,10 @@
                 <c:formatCode>General</c:formatCode>
                 <c:ptCount val="2"/>
                 <c:pt idx="0">
-                  <c:v>2.5999999999999998E-4</c:v>
+                  <c:v>0.00026</c:v>
                 </c:pt>
                 <c:pt idx="1">
-                  <c:v>3.2000000000000003E-4</c:v>
+                  <c:v>0.00032</c:v>
                 </c:pt>
               </c:numCache>
             </c:numRef>
@@ -1190,10 +1192,10 @@
                 <c:formatCode>General</c:formatCode>
                 <c:ptCount val="2"/>
                 <c:pt idx="0">
-                  <c:v>2.7999999999999998E-4</c:v>
+                  <c:v>0.00028</c:v>
                 </c:pt>
                 <c:pt idx="1">
-                  <c:v>4.2999999999999999E-4</c:v>
+                  <c:v>0.00043</c:v>
                 </c:pt>
               </c:numCache>
             </c:numRef>
@@ -1208,11 +1210,11 @@
           <c:showBubbleSize val="0"/>
         </c:dLbls>
         <c:gapWidth val="150"/>
-        <c:axId val="78231040"/>
-        <c:axId val="78232960"/>
+        <c:axId val="2093798456"/>
+        <c:axId val="2093801432"/>
       </c:barChart>
       <c:catAx>
-        <c:axId val="78231040"/>
+        <c:axId val="2093798456"/>
         <c:scaling>
           <c:orientation val="minMax"/>
         </c:scaling>
@@ -1221,7 +1223,7 @@
         <c:majorTickMark val="out"/>
         <c:minorTickMark val="none"/>
         <c:tickLblPos val="nextTo"/>
-        <c:crossAx val="78232960"/>
+        <c:crossAx val="2093801432"/>
         <c:crosses val="autoZero"/>
         <c:auto val="1"/>
         <c:lblAlgn val="ctr"/>
@@ -1229,7 +1231,7 @@
         <c:noMultiLvlLbl val="0"/>
       </c:catAx>
       <c:valAx>
-        <c:axId val="78232960"/>
+        <c:axId val="2093801432"/>
         <c:scaling>
           <c:orientation val="minMax"/>
         </c:scaling>
@@ -1240,7 +1242,7 @@
         <c:majorTickMark val="out"/>
         <c:minorTickMark val="none"/>
         <c:tickLblPos val="nextTo"/>
-        <c:crossAx val="78231040"/>
+        <c:crossAx val="2093798456"/>
         <c:crosses val="autoZero"/>
         <c:crossBetween val="between"/>
       </c:valAx>
@@ -1918,7 +1920,7 @@
           <a:p>
             <a:fld id="{475345EA-B40B-49E9-A421-0815CCE99116}" type="datetimeFigureOut">
               <a:rPr lang="es-AR" smtClean="0"/>
-              <a:t>10/06/2013</a:t>
+              <a:t>6/10/13</a:t>
             </a:fld>
             <a:endParaRPr lang="es-AR"/>
           </a:p>
@@ -2101,7 +2103,7 @@
           <a:p>
             <a:fld id="{475345EA-B40B-49E9-A421-0815CCE99116}" type="datetimeFigureOut">
               <a:rPr lang="es-AR" smtClean="0"/>
-              <a:t>10/06/2013</a:t>
+              <a:t>6/10/13</a:t>
             </a:fld>
             <a:endParaRPr lang="es-AR"/>
           </a:p>
@@ -2276,7 +2278,7 @@
           <a:p>
             <a:fld id="{475345EA-B40B-49E9-A421-0815CCE99116}" type="datetimeFigureOut">
               <a:rPr lang="es-AR" smtClean="0"/>
-              <a:t>10/06/2013</a:t>
+              <a:t>6/10/13</a:t>
             </a:fld>
             <a:endParaRPr lang="es-AR"/>
           </a:p>
@@ -2441,7 +2443,7 @@
           <a:p>
             <a:fld id="{475345EA-B40B-49E9-A421-0815CCE99116}" type="datetimeFigureOut">
               <a:rPr lang="es-AR" smtClean="0"/>
-              <a:t>10/06/2013</a:t>
+              <a:t>6/10/13</a:t>
             </a:fld>
             <a:endParaRPr lang="es-AR"/>
           </a:p>
@@ -2662,7 +2664,7 @@
           <a:p>
             <a:fld id="{475345EA-B40B-49E9-A421-0815CCE99116}" type="datetimeFigureOut">
               <a:rPr lang="es-AR" smtClean="0"/>
-              <a:t>10/06/2013</a:t>
+              <a:t>6/10/13</a:t>
             </a:fld>
             <a:endParaRPr lang="es-AR"/>
           </a:p>
@@ -2921,7 +2923,7 @@
           <a:p>
             <a:fld id="{475345EA-B40B-49E9-A421-0815CCE99116}" type="datetimeFigureOut">
               <a:rPr lang="es-AR" smtClean="0"/>
-              <a:t>10/06/2013</a:t>
+              <a:t>6/10/13</a:t>
             </a:fld>
             <a:endParaRPr lang="es-AR"/>
           </a:p>
@@ -3325,7 +3327,7 @@
           <a:p>
             <a:fld id="{475345EA-B40B-49E9-A421-0815CCE99116}" type="datetimeFigureOut">
               <a:rPr lang="es-AR" smtClean="0"/>
-              <a:t>10/06/2013</a:t>
+              <a:t>6/10/13</a:t>
             </a:fld>
             <a:endParaRPr lang="es-AR"/>
           </a:p>
@@ -3456,7 +3458,7 @@
           <a:p>
             <a:fld id="{475345EA-B40B-49E9-A421-0815CCE99116}" type="datetimeFigureOut">
               <a:rPr lang="es-AR" smtClean="0"/>
-              <a:t>10/06/2013</a:t>
+              <a:t>6/10/13</a:t>
             </a:fld>
             <a:endParaRPr lang="es-AR"/>
           </a:p>
@@ -3556,7 +3558,7 @@
           <a:p>
             <a:fld id="{475345EA-B40B-49E9-A421-0815CCE99116}" type="datetimeFigureOut">
               <a:rPr lang="es-AR" smtClean="0"/>
-              <a:t>10/06/2013</a:t>
+              <a:t>6/10/13</a:t>
             </a:fld>
             <a:endParaRPr lang="es-AR"/>
           </a:p>
@@ -3801,7 +3803,7 @@
           <a:p>
             <a:fld id="{475345EA-B40B-49E9-A421-0815CCE99116}" type="datetimeFigureOut">
               <a:rPr lang="es-AR" smtClean="0"/>
-              <a:t>10/06/2013</a:t>
+              <a:t>6/10/13</a:t>
             </a:fld>
             <a:endParaRPr lang="es-AR"/>
           </a:p>
@@ -4045,7 +4047,7 @@
           <a:p>
             <a:fld id="{475345EA-B40B-49E9-A421-0815CCE99116}" type="datetimeFigureOut">
               <a:rPr lang="es-AR" smtClean="0"/>
-              <a:t>10/06/2013</a:t>
+              <a:t>6/10/13</a:t>
             </a:fld>
             <a:endParaRPr lang="es-AR"/>
           </a:p>
@@ -4869,7 +4871,7 @@
           <a:p>
             <a:fld id="{475345EA-B40B-49E9-A421-0815CCE99116}" type="datetimeFigureOut">
               <a:rPr lang="es-AR" smtClean="0"/>
-              <a:t>10/06/2013</a:t>
+              <a:t>6/10/13</a:t>
             </a:fld>
             <a:endParaRPr lang="es-AR"/>
           </a:p>
@@ -5453,35 +5455,64 @@
           <a:bodyPr/>
           <a:lstStyle/>
           <a:p>
-            <a:r>
-              <a:rPr lang="en-US" dirty="0" err="1" smtClean="0"/>
+            <a:pPr>
+              <a:lnSpc>
+                <a:spcPct val="150000"/>
+              </a:lnSpc>
+            </a:pPr>
+            <a:r>
+              <a:rPr lang="en-US" b="1" dirty="0" err="1" smtClean="0"/>
               <a:t>Método</a:t>
             </a:r>
             <a:r>
-              <a:rPr lang="en-US" dirty="0" smtClean="0"/>
-              <a:t> 1.</a:t>
-            </a:r>
-          </a:p>
-          <a:p>
-            <a:r>
-              <a:rPr lang="en-US" dirty="0" err="1" smtClean="0"/>
+              <a:rPr lang="en-US" b="1" dirty="0" smtClean="0"/>
+              <a:t> </a:t>
+            </a:r>
+            <a:r>
+              <a:rPr lang="en-US" b="1" dirty="0" smtClean="0"/>
+              <a:t>1</a:t>
+            </a:r>
+            <a:endParaRPr lang="en-US" b="1" dirty="0" smtClean="0"/>
+          </a:p>
+          <a:p>
+            <a:pPr>
+              <a:lnSpc>
+                <a:spcPct val="150000"/>
+              </a:lnSpc>
+            </a:pPr>
+            <a:r>
+              <a:rPr lang="en-US" b="1" dirty="0" err="1" smtClean="0"/>
               <a:t>Método</a:t>
             </a:r>
             <a:r>
-              <a:rPr lang="en-US" dirty="0" smtClean="0"/>
-              <a:t> 2.</a:t>
-            </a:r>
-          </a:p>
-          <a:p>
-            <a:r>
-              <a:rPr lang="en-US" dirty="0" err="1" smtClean="0"/>
+              <a:rPr lang="en-US" b="1" dirty="0" smtClean="0"/>
+              <a:t> </a:t>
+            </a:r>
+            <a:r>
+              <a:rPr lang="en-US" b="1" dirty="0" smtClean="0"/>
+              <a:t>2</a:t>
+            </a:r>
+            <a:endParaRPr lang="en-US" b="1" dirty="0" smtClean="0"/>
+          </a:p>
+          <a:p>
+            <a:pPr>
+              <a:lnSpc>
+                <a:spcPct val="150000"/>
+              </a:lnSpc>
+            </a:pPr>
+            <a:r>
+              <a:rPr lang="en-US" b="1" dirty="0" err="1" smtClean="0"/>
               <a:t>Método</a:t>
             </a:r>
             <a:r>
-              <a:rPr lang="en-US" dirty="0" smtClean="0"/>
-              <a:t> 3.</a:t>
-            </a:r>
-            <a:endParaRPr lang="es-AR" dirty="0"/>
+              <a:rPr lang="en-US" b="1" dirty="0" smtClean="0"/>
+              <a:t> </a:t>
+            </a:r>
+            <a:r>
+              <a:rPr lang="en-US" b="1" dirty="0" smtClean="0"/>
+              <a:t>3</a:t>
+            </a:r>
+            <a:endParaRPr lang="es-AR" b="1" dirty="0"/>
           </a:p>
         </p:txBody>
       </p:sp>
@@ -5648,13 +5679,14 @@
           <a:bodyPr/>
           <a:lstStyle/>
           <a:p>
+            <a:pPr>
+              <a:lnSpc>
+                <a:spcPct val="150000"/>
+              </a:lnSpc>
+            </a:pPr>
             <a:r>
               <a:rPr lang="es-AR" dirty="0" smtClean="0"/>
-              <a:t>Es posible modificar la probabilidad de aplicar el operador genético de </a:t>
-            </a:r>
-            <a:r>
-              <a:rPr lang="es-AR" dirty="0" err="1" smtClean="0"/>
-              <a:t>backpropagation</a:t>
+              <a:t>Es posible modificar la probabilidad de aplicar el operador genético de backpropagation</a:t>
             </a:r>
             <a:r>
               <a:rPr lang="es-AR" dirty="0" smtClean="0"/>
@@ -5662,6 +5694,20 @@
             </a:r>
           </a:p>
           <a:p>
+            <a:pPr marL="109728" indent="0">
+              <a:lnSpc>
+                <a:spcPct val="90000"/>
+              </a:lnSpc>
+              <a:buNone/>
+            </a:pPr>
+            <a:endParaRPr lang="es-AR" dirty="0" smtClean="0"/>
+          </a:p>
+          <a:p>
+            <a:pPr>
+              <a:lnSpc>
+                <a:spcPct val="150000"/>
+              </a:lnSpc>
+            </a:pPr>
             <a:r>
               <a:rPr lang="es-AR" dirty="0" smtClean="0"/>
               <a:t>Inclusive se puede quitar!</a:t>
@@ -5795,37 +5841,158 @@
           <a:lstStyle/>
           <a:p>
             <a:r>
-              <a:rPr lang="es-AR" dirty="0" smtClean="0"/>
-              <a:t>Comparación: RNA vs AG</a:t>
-            </a:r>
-            <a:endParaRPr lang="es-AR" dirty="0"/>
-          </a:p>
-        </p:txBody>
-      </p:sp>
-      <p:graphicFrame>
-        <p:nvGraphicFramePr>
-          <p:cNvPr id="6" name="Content Placeholder 5"/>
-          <p:cNvGraphicFramePr>
-            <a:graphicFrameLocks noGrp="1"/>
-          </p:cNvGraphicFramePr>
+              <a:rPr lang="en-US" dirty="0" err="1" smtClean="0"/>
+              <a:t>Mejor</a:t>
+            </a:r>
+            <a:r>
+              <a:rPr lang="en-US" dirty="0" smtClean="0"/>
+              <a:t> </a:t>
+            </a:r>
+            <a:r>
+              <a:rPr lang="en-US" dirty="0" err="1" smtClean="0"/>
+              <a:t>individuo</a:t>
+            </a:r>
+            <a:r>
+              <a:rPr lang="en-US" dirty="0" smtClean="0"/>
+              <a:t> </a:t>
+            </a:r>
+            <a:r>
+              <a:rPr lang="en-US" dirty="0" err="1" smtClean="0"/>
+              <a:t>conseguido</a:t>
+            </a:r>
+            <a:endParaRPr lang="en-US" dirty="0"/>
+          </a:p>
+        </p:txBody>
+      </p:sp>
+      <p:sp>
+        <p:nvSpPr>
+          <p:cNvPr id="3" name="Content Placeholder 2"/>
+          <p:cNvSpPr>
+            <a:spLocks noGrp="1"/>
+          </p:cNvSpPr>
           <p:nvPr>
             <p:ph idx="1"/>
           </p:nvPr>
-        </p:nvGraphicFramePr>
-        <p:xfrm>
-          <a:off x="457200" y="2249488"/>
-          <a:ext cx="8229600" cy="4324350"/>
-        </p:xfrm>
-        <a:graphic>
-          <a:graphicData uri="http://schemas.openxmlformats.org/drawingml/2006/chart">
-            <c:chart xmlns:c="http://schemas.openxmlformats.org/drawingml/2006/chart" xmlns:r="http://schemas.openxmlformats.org/officeDocument/2006/relationships" r:id="rId2"/>
-          </a:graphicData>
-        </a:graphic>
-      </p:graphicFrame>
+        </p:nvSpPr>
+        <p:spPr/>
+        <p:txBody>
+          <a:bodyPr/>
+          <a:lstStyle/>
+          <a:p>
+            <a:r>
+              <a:rPr lang="en-US" dirty="0" smtClean="0"/>
+              <a:t>Error </a:t>
+            </a:r>
+            <a:r>
+              <a:rPr lang="en-US" dirty="0" err="1" smtClean="0"/>
+              <a:t>cuadr</a:t>
+            </a:r>
+            <a:r>
+              <a:rPr lang="en-US" dirty="0" err="1" smtClean="0"/>
+              <a:t>ático</a:t>
+            </a:r>
+            <a:r>
+              <a:rPr lang="en-US" dirty="0" smtClean="0"/>
+              <a:t> </a:t>
+            </a:r>
+            <a:r>
+              <a:rPr lang="en-US" dirty="0" err="1" smtClean="0"/>
+              <a:t>medio</a:t>
+            </a:r>
+            <a:r>
+              <a:rPr lang="en-US" dirty="0" smtClean="0"/>
+              <a:t> </a:t>
+            </a:r>
+            <a:r>
+              <a:rPr lang="en-US" dirty="0" err="1" smtClean="0"/>
+              <a:t>para</a:t>
+            </a:r>
+            <a:r>
+              <a:rPr lang="en-US" dirty="0" smtClean="0"/>
+              <a:t> 300 inputs (</a:t>
+            </a:r>
+            <a:r>
+              <a:rPr lang="en-US" dirty="0" err="1" smtClean="0"/>
+              <a:t>entrenamiento</a:t>
+            </a:r>
+            <a:r>
+              <a:rPr lang="en-US" dirty="0" smtClean="0"/>
+              <a:t>):</a:t>
+            </a:r>
+          </a:p>
+          <a:p>
+            <a:endParaRPr lang="en-US" dirty="0" smtClean="0"/>
+          </a:p>
+          <a:p>
+            <a:pPr marL="109728" indent="0" algn="ctr">
+              <a:buNone/>
+            </a:pPr>
+            <a:r>
+              <a:rPr lang="en-US" sz="3600" dirty="0" smtClean="0"/>
+              <a:t>0.00028</a:t>
+            </a:r>
+            <a:endParaRPr lang="en-US" dirty="0"/>
+          </a:p>
+          <a:p>
+            <a:endParaRPr lang="en-US" dirty="0" smtClean="0"/>
+          </a:p>
+          <a:p>
+            <a:r>
+              <a:rPr lang="en-US" dirty="0" smtClean="0"/>
+              <a:t>Error </a:t>
+            </a:r>
+            <a:r>
+              <a:rPr lang="en-US" dirty="0" err="1" smtClean="0"/>
+              <a:t>cuadrático</a:t>
+            </a:r>
+            <a:r>
+              <a:rPr lang="en-US" dirty="0" smtClean="0"/>
+              <a:t> </a:t>
+            </a:r>
+            <a:r>
+              <a:rPr lang="en-US" dirty="0" err="1" smtClean="0"/>
+              <a:t>medio</a:t>
+            </a:r>
+            <a:r>
+              <a:rPr lang="en-US" dirty="0" smtClean="0"/>
+              <a:t> </a:t>
+            </a:r>
+            <a:r>
+              <a:rPr lang="en-US" dirty="0" err="1" smtClean="0"/>
+              <a:t>para</a:t>
+            </a:r>
+            <a:r>
+              <a:rPr lang="en-US" dirty="0" smtClean="0"/>
+              <a:t> </a:t>
+            </a:r>
+            <a:r>
+              <a:rPr lang="en-US" dirty="0" err="1" smtClean="0"/>
+              <a:t>todos</a:t>
+            </a:r>
+            <a:r>
+              <a:rPr lang="en-US" dirty="0" smtClean="0"/>
+              <a:t>  los inputs:</a:t>
+            </a:r>
+          </a:p>
+          <a:p>
+            <a:endParaRPr lang="en-US" dirty="0"/>
+          </a:p>
+          <a:p>
+            <a:pPr marL="109728" indent="0" algn="ctr">
+              <a:buNone/>
+            </a:pPr>
+            <a:r>
+              <a:rPr lang="en-US" sz="3600" dirty="0" smtClean="0"/>
+              <a:t>0.00039</a:t>
+            </a:r>
+            <a:endParaRPr lang="en-US" dirty="0"/>
+          </a:p>
+        </p:txBody>
+      </p:sp>
     </p:spTree>
     <p:extLst>
       <p:ext uri="{BB962C8B-B14F-4D97-AF65-F5344CB8AC3E}">
-        <p14:creationId xmlns:p14="http://schemas.microsoft.com/office/powerpoint/2010/main" val="1840538812"/>
+        <p14:creationId xmlns:p14="http://schemas.microsoft.com/office/powerpoint/2010/main" val="1453742719"/>
       </p:ext>
     </p:extLst>
   </p:cSld>
@@ -5864,6 +6031,79 @@
         </p:nvSpPr>
         <p:spPr/>
         <p:txBody>
+          <a:bodyPr/>
+          <a:lstStyle/>
+          <a:p>
+            <a:r>
+              <a:rPr lang="es-AR" dirty="0" smtClean="0"/>
+              <a:t>Comparación: RNA vs AG</a:t>
+            </a:r>
+            <a:endParaRPr lang="es-AR" dirty="0"/>
+          </a:p>
+        </p:txBody>
+      </p:sp>
+      <p:graphicFrame>
+        <p:nvGraphicFramePr>
+          <p:cNvPr id="6" name="Content Placeholder 5"/>
+          <p:cNvGraphicFramePr>
+            <a:graphicFrameLocks noGrp="1"/>
+          </p:cNvGraphicFramePr>
+          <p:nvPr>
+            <p:ph idx="1"/>
+          </p:nvPr>
+        </p:nvGraphicFramePr>
+        <p:xfrm>
+          <a:off x="457200" y="2249488"/>
+          <a:ext cx="8229600" cy="4324350"/>
+        </p:xfrm>
+        <a:graphic>
+          <a:graphicData uri="http://schemas.openxmlformats.org/drawingml/2006/chart">
+            <c:chart xmlns:c="http://schemas.openxmlformats.org/drawingml/2006/chart" xmlns:r="http://schemas.openxmlformats.org/officeDocument/2006/relationships" r:id="rId2"/>
+          </a:graphicData>
+        </a:graphic>
+      </p:graphicFrame>
+    </p:spTree>
+    <p:extLst>
+      <p:ext uri="{BB962C8B-B14F-4D97-AF65-F5344CB8AC3E}">
+        <p14:creationId xmlns:p14="http://schemas.microsoft.com/office/powerpoint/2010/main" val="1840538812"/>
+      </p:ext>
+    </p:extLst>
+  </p:cSld>
+  <p:clrMapOvr>
+    <a:masterClrMapping/>
+  </p:clrMapOvr>
+</p:sld>
+</file>
+
+<file path=ppt/slides/slide16.xml><?xml version="1.0" encoding="utf-8"?>
+<p:sld xmlns:a="http://schemas.openxmlformats.org/drawingml/2006/main" xmlns:r="http://schemas.openxmlformats.org/officeDocument/2006/relationships" xmlns:p="http://schemas.openxmlformats.org/presentationml/2006/main">
+  <p:cSld>
+    <p:spTree>
+      <p:nvGrpSpPr>
+        <p:cNvPr id="1" name=""/>
+        <p:cNvGrpSpPr/>
+        <p:nvPr/>
+      </p:nvGrpSpPr>
+      <p:grpSpPr>
+        <a:xfrm>
+          <a:off x="0" y="0"/>
+          <a:ext cx="0" cy="0"/>
+          <a:chOff x="0" y="0"/>
+          <a:chExt cx="0" cy="0"/>
+        </a:xfrm>
+      </p:grpSpPr>
+      <p:sp>
+        <p:nvSpPr>
+          <p:cNvPr id="2" name="Title 1"/>
+          <p:cNvSpPr>
+            <a:spLocks noGrp="1"/>
+          </p:cNvSpPr>
+          <p:nvPr>
+            <p:ph type="title"/>
+          </p:nvPr>
+        </p:nvSpPr>
+        <p:spPr/>
+        <p:txBody>
           <a:bodyPr>
             <a:normAutofit fontScale="90000"/>
           </a:bodyPr>
@@ -5910,11 +6150,7 @@
           <a:p>
             <a:r>
               <a:rPr lang="es-AR" dirty="0" smtClean="0"/>
-              <a:t>Elitismo es genial pero se </a:t>
-            </a:r>
-            <a:r>
-              <a:rPr lang="es-AR" smtClean="0"/>
-              <a:t>pierde aleatoriedad.</a:t>
+              <a:t>Sin elitismo es casi una random search :/</a:t>
             </a:r>
             <a:endParaRPr lang="es-AR" dirty="0" smtClean="0"/>
           </a:p>
@@ -5927,22 +6163,37 @@
               <a:t>Sin </a:t>
             </a:r>
             <a:r>
-              <a:rPr lang="es-AR" dirty="0" err="1" smtClean="0"/>
-              <a:t>Backpropagation</a:t>
+              <a:rPr lang="es-AR" dirty="0"/>
+              <a:t>b</a:t>
             </a:r>
             <a:r>
               <a:rPr lang="es-AR" dirty="0" smtClean="0"/>
-              <a:t> cuesta bastante aprender.</a:t>
-            </a:r>
-          </a:p>
-          <a:p>
+              <a:t>ackpropagation se aprende muy lento.</a:t>
+            </a:r>
             <a:endParaRPr lang="es-AR" dirty="0" smtClean="0"/>
           </a:p>
           <a:p>
+            <a:endParaRPr lang="es-AR" dirty="0" smtClean="0"/>
+          </a:p>
+          <a:p>
             <a:r>
               <a:rPr lang="es-AR" dirty="0" smtClean="0"/>
-              <a:t>RNA vs AG.</a:t>
-            </a:r>
+              <a:t>Los mejores valores de los algoritmos de RNA y GA son similares.</a:t>
+            </a:r>
+          </a:p>
+          <a:p>
+            <a:endParaRPr lang="es-AR" dirty="0" smtClean="0"/>
+          </a:p>
+          <a:p>
+            <a:r>
+              <a:rPr lang="es-AR" dirty="0" smtClean="0"/>
+              <a:t>Sin embargo GA los alcanza con m</a:t>
+            </a:r>
+            <a:r>
+              <a:rPr lang="es-AR" dirty="0" smtClean="0"/>
+              <a:t>ás constancia.</a:t>
+            </a:r>
+            <a:endParaRPr lang="es-AR" dirty="0" smtClean="0"/>
           </a:p>
           <a:p>
             <a:endParaRPr lang="es-AR" dirty="0"/>
@@ -6035,68 +6286,92 @@
           <a:bodyPr/>
           <a:lstStyle/>
           <a:p>
-            <a:r>
-              <a:rPr lang="en-US" dirty="0" err="1" smtClean="0"/>
+            <a:pPr>
+              <a:lnSpc>
+                <a:spcPct val="150000"/>
+              </a:lnSpc>
+            </a:pPr>
+            <a:r>
+              <a:rPr lang="en-US" b="1" dirty="0" err="1" smtClean="0"/>
               <a:t>Población</a:t>
             </a:r>
-            <a:r>
-              <a:rPr lang="en-US" dirty="0" smtClean="0"/>
-              <a:t>.</a:t>
-            </a:r>
-          </a:p>
-          <a:p>
-            <a:r>
-              <a:rPr lang="en-US" dirty="0" err="1" smtClean="0"/>
+            <a:endParaRPr lang="en-US" b="1" dirty="0" smtClean="0"/>
+          </a:p>
+          <a:p>
+            <a:pPr>
+              <a:lnSpc>
+                <a:spcPct val="150000"/>
+              </a:lnSpc>
+            </a:pPr>
+            <a:r>
+              <a:rPr lang="en-US" b="1" dirty="0" err="1" smtClean="0"/>
               <a:t>Individuo</a:t>
             </a:r>
-            <a:r>
-              <a:rPr lang="en-US" dirty="0" smtClean="0"/>
-              <a:t>.</a:t>
-            </a:r>
-          </a:p>
-          <a:p>
-            <a:r>
-              <a:rPr lang="en-US" dirty="0" smtClean="0"/>
-              <a:t>Locus.</a:t>
-            </a:r>
-          </a:p>
-          <a:p>
-            <a:r>
-              <a:rPr lang="en-US" dirty="0" err="1" smtClean="0"/>
+            <a:endParaRPr lang="en-US" b="1" dirty="0" smtClean="0"/>
+          </a:p>
+          <a:p>
+            <a:pPr>
+              <a:lnSpc>
+                <a:spcPct val="150000"/>
+              </a:lnSpc>
+            </a:pPr>
+            <a:r>
+              <a:rPr lang="en-US" b="1" dirty="0" smtClean="0"/>
+              <a:t>Locus</a:t>
+            </a:r>
+            <a:endParaRPr lang="en-US" b="1" dirty="0" smtClean="0"/>
+          </a:p>
+          <a:p>
+            <a:pPr>
+              <a:lnSpc>
+                <a:spcPct val="150000"/>
+              </a:lnSpc>
+            </a:pPr>
+            <a:r>
+              <a:rPr lang="en-US" b="1" dirty="0" err="1" smtClean="0"/>
               <a:t>Alelo</a:t>
             </a:r>
-            <a:r>
-              <a:rPr lang="en-US" dirty="0" smtClean="0"/>
-              <a:t>.</a:t>
-            </a:r>
-          </a:p>
-          <a:p>
-            <a:r>
-              <a:rPr lang="en-US" dirty="0" err="1" smtClean="0"/>
+            <a:endParaRPr lang="en-US" b="1" dirty="0" smtClean="0"/>
+          </a:p>
+          <a:p>
+            <a:pPr>
+              <a:lnSpc>
+                <a:spcPct val="150000"/>
+              </a:lnSpc>
+            </a:pPr>
+            <a:r>
+              <a:rPr lang="en-US" b="1" dirty="0" err="1" smtClean="0"/>
               <a:t>Función</a:t>
             </a:r>
             <a:r>
-              <a:rPr lang="en-US" dirty="0" smtClean="0"/>
-              <a:t> de Fitness.</a:t>
-            </a:r>
-          </a:p>
-          <a:p>
-            <a:r>
-              <a:rPr lang="en-US" dirty="0" err="1" smtClean="0"/>
+              <a:rPr lang="en-US" b="1" dirty="0" smtClean="0"/>
+              <a:t> de </a:t>
+            </a:r>
+            <a:r>
+              <a:rPr lang="en-US" b="1" dirty="0" smtClean="0"/>
+              <a:t>Fitness</a:t>
+            </a:r>
+            <a:endParaRPr lang="en-US" b="1" dirty="0" smtClean="0"/>
+          </a:p>
+          <a:p>
+            <a:pPr>
+              <a:lnSpc>
+                <a:spcPct val="150000"/>
+              </a:lnSpc>
+            </a:pPr>
+            <a:r>
+              <a:rPr lang="en-US" b="1" dirty="0" err="1" smtClean="0"/>
               <a:t>Operaciones</a:t>
             </a:r>
             <a:r>
-              <a:rPr lang="en-US" dirty="0" smtClean="0"/>
+              <a:rPr lang="en-US" b="1" dirty="0" smtClean="0"/>
               <a:t> </a:t>
             </a:r>
             <a:r>
-              <a:rPr lang="en-US" dirty="0" err="1" smtClean="0"/>
+              <a:rPr lang="en-US" b="1" dirty="0" err="1" smtClean="0"/>
               <a:t>Genéticas</a:t>
             </a:r>
-            <a:r>
-              <a:rPr lang="en-US" dirty="0" smtClean="0"/>
-              <a:t>.</a:t>
-            </a:r>
+            <a:endParaRPr lang="en-US" b="1" dirty="0" smtClean="0"/>
           </a:p>
         </p:txBody>
       </p:sp>
@@ -6186,8 +6461,13 @@
           <a:bodyPr/>
           <a:lstStyle/>
           <a:p>
-            <a:r>
-              <a:rPr lang="en-US" dirty="0" err="1" smtClean="0"/>
+            <a:pPr>
+              <a:lnSpc>
+                <a:spcPct val="150000"/>
+              </a:lnSpc>
+            </a:pPr>
+            <a:r>
+              <a:rPr lang="en-US" b="1" dirty="0" err="1" smtClean="0"/>
               <a:t>Población</a:t>
             </a:r>
             <a:r>
@@ -6195,29 +6475,35 @@
               <a:t> </a:t>
             </a:r>
             <a:r>
-              <a:rPr lang="en-US" dirty="0" smtClean="0"/>
+              <a:rPr lang="en-US" sz="2400" dirty="0" smtClean="0"/>
               <a:t>-&gt; </a:t>
             </a:r>
             <a:r>
-              <a:rPr lang="en-US" dirty="0" err="1" smtClean="0"/>
+              <a:rPr lang="en-US" sz="2400" dirty="0" err="1" smtClean="0"/>
               <a:t>Redes</a:t>
             </a:r>
             <a:r>
-              <a:rPr lang="en-US" dirty="0" smtClean="0"/>
+              <a:rPr lang="en-US" sz="2400" dirty="0" smtClean="0"/>
               <a:t> </a:t>
             </a:r>
             <a:r>
-              <a:rPr lang="en-US" dirty="0" err="1" smtClean="0"/>
-              <a:t>Neuronales</a:t>
-            </a:r>
-            <a:r>
-              <a:rPr lang="en-US" dirty="0" smtClean="0"/>
-              <a:t>.</a:t>
-            </a:r>
-          </a:p>
-          <a:p>
-            <a:r>
-              <a:rPr lang="en-US" dirty="0" err="1" smtClean="0"/>
+              <a:rPr lang="en-US" sz="2400" dirty="0" err="1"/>
+              <a:t>n</a:t>
+            </a:r>
+            <a:r>
+              <a:rPr lang="en-US" sz="2400" dirty="0" err="1" smtClean="0"/>
+              <a:t>euronales</a:t>
+            </a:r>
+            <a:endParaRPr lang="en-US" dirty="0" smtClean="0"/>
+          </a:p>
+          <a:p>
+            <a:pPr>
+              <a:lnSpc>
+                <a:spcPct val="150000"/>
+              </a:lnSpc>
+            </a:pPr>
+            <a:r>
+              <a:rPr lang="en-US" b="1" dirty="0" err="1" smtClean="0"/>
               <a:t>Individuo</a:t>
             </a:r>
             <a:r>
@@ -6225,92 +6511,153 @@
               <a:t> </a:t>
             </a:r>
             <a:r>
-              <a:rPr lang="en-US" dirty="0" smtClean="0"/>
-              <a:t>-&gt; Red Neuronal. </a:t>
-            </a:r>
-            <a:r>
-              <a:rPr lang="en-US" dirty="0" err="1" smtClean="0"/>
-              <a:t>Matriz</a:t>
-            </a:r>
-            <a:r>
-              <a:rPr lang="en-US" dirty="0" smtClean="0"/>
-              <a:t> de pesos.</a:t>
-            </a:r>
-          </a:p>
-          <a:p>
-            <a:r>
-              <a:rPr lang="en-US" dirty="0" smtClean="0"/>
+              <a:rPr lang="en-US" sz="2400" dirty="0" smtClean="0"/>
+              <a:t>-&gt; Red </a:t>
+            </a:r>
+            <a:r>
+              <a:rPr lang="en-US" sz="2400" dirty="0"/>
+              <a:t>n</a:t>
+            </a:r>
+            <a:r>
+              <a:rPr lang="en-US" sz="2400" dirty="0" smtClean="0"/>
+              <a:t>euronal, </a:t>
+            </a:r>
+            <a:r>
+              <a:rPr lang="en-US" sz="2400" dirty="0" err="1"/>
+              <a:t>m</a:t>
+            </a:r>
+            <a:r>
+              <a:rPr lang="en-US" sz="2400" dirty="0" err="1" smtClean="0"/>
+              <a:t>atriz</a:t>
+            </a:r>
+            <a:r>
+              <a:rPr lang="en-US" sz="2400" dirty="0" smtClean="0"/>
+              <a:t> </a:t>
+            </a:r>
+            <a:r>
+              <a:rPr lang="en-US" sz="2400" dirty="0" smtClean="0"/>
+              <a:t>de </a:t>
+            </a:r>
+            <a:r>
+              <a:rPr lang="en-US" sz="2400" dirty="0" smtClean="0"/>
+              <a:t>pesos</a:t>
+            </a:r>
+            <a:endParaRPr lang="en-US" sz="2400" dirty="0" smtClean="0"/>
+          </a:p>
+          <a:p>
+            <a:pPr>
+              <a:lnSpc>
+                <a:spcPct val="150000"/>
+              </a:lnSpc>
+            </a:pPr>
+            <a:r>
+              <a:rPr lang="en-US" b="1" dirty="0" smtClean="0"/>
               <a:t>Locus – </a:t>
             </a:r>
             <a:r>
-              <a:rPr lang="en-US" dirty="0" err="1" smtClean="0"/>
+              <a:rPr lang="en-US" b="1" dirty="0" err="1" smtClean="0"/>
               <a:t>Alelo</a:t>
             </a:r>
             <a:r>
-              <a:rPr lang="en-US" dirty="0" smtClean="0"/>
-              <a:t> -&gt; Un peso de la red</a:t>
-            </a:r>
-          </a:p>
-          <a:p>
-            <a:r>
-              <a:rPr lang="en-US" dirty="0" err="1" smtClean="0"/>
+              <a:rPr lang="en-US" b="1" dirty="0" smtClean="0"/>
+              <a:t> </a:t>
+            </a:r>
+            <a:r>
+              <a:rPr lang="en-US" sz="2400" dirty="0" smtClean="0"/>
+              <a:t>-&gt; Un peso de la red</a:t>
+            </a:r>
+          </a:p>
+          <a:p>
+            <a:pPr>
+              <a:lnSpc>
+                <a:spcPct val="150000"/>
+              </a:lnSpc>
+            </a:pPr>
+            <a:r>
+              <a:rPr lang="en-US" b="1" dirty="0" err="1" smtClean="0"/>
               <a:t>Función</a:t>
             </a:r>
             <a:r>
-              <a:rPr lang="en-US" dirty="0" smtClean="0"/>
-              <a:t> de Fitness -&gt; ECM al </a:t>
-            </a:r>
-            <a:r>
-              <a:rPr lang="en-US" dirty="0" err="1" smtClean="0"/>
-              <a:t>hacer</a:t>
-            </a:r>
-            <a:r>
-              <a:rPr lang="en-US" dirty="0" smtClean="0"/>
-              <a:t> la red </a:t>
-            </a:r>
-            <a:r>
-              <a:rPr lang="en-US" dirty="0" err="1" smtClean="0"/>
-              <a:t>feedforward</a:t>
-            </a:r>
-            <a:r>
-              <a:rPr lang="en-US" dirty="0" smtClean="0"/>
-              <a:t>.</a:t>
-            </a:r>
-          </a:p>
-          <a:p>
-            <a:r>
-              <a:rPr lang="en-US" dirty="0" err="1" smtClean="0"/>
+              <a:rPr lang="en-US" b="1" dirty="0" smtClean="0"/>
+              <a:t> de Fitness </a:t>
+            </a:r>
+            <a:r>
+              <a:rPr lang="en-US" sz="2400" dirty="0" smtClean="0"/>
+              <a:t>-&gt; </a:t>
+            </a:r>
+            <a:r>
+              <a:rPr lang="en-US" sz="2400" dirty="0" smtClean="0"/>
+              <a:t>Error </a:t>
+            </a:r>
+            <a:r>
+              <a:rPr lang="en-US" sz="2400" dirty="0" err="1"/>
+              <a:t>c</a:t>
+            </a:r>
+            <a:r>
+              <a:rPr lang="en-US" sz="2400" dirty="0" err="1" smtClean="0"/>
+              <a:t>uadr</a:t>
+            </a:r>
+            <a:r>
+              <a:rPr lang="en-US" sz="2400" dirty="0" err="1" smtClean="0"/>
+              <a:t>ático</a:t>
+            </a:r>
+            <a:r>
+              <a:rPr lang="en-US" sz="2400" dirty="0" smtClean="0"/>
+              <a:t> </a:t>
+            </a:r>
+            <a:r>
+              <a:rPr lang="en-US" sz="2400" dirty="0" err="1"/>
+              <a:t>m</a:t>
+            </a:r>
+            <a:r>
+              <a:rPr lang="en-US" sz="2400" dirty="0" err="1" smtClean="0"/>
+              <a:t>edio</a:t>
+            </a:r>
+            <a:endParaRPr lang="en-US" dirty="0" smtClean="0"/>
+          </a:p>
+          <a:p>
+            <a:pPr>
+              <a:lnSpc>
+                <a:spcPct val="150000"/>
+              </a:lnSpc>
+            </a:pPr>
+            <a:r>
+              <a:rPr lang="en-US" b="1" dirty="0" err="1" smtClean="0"/>
               <a:t>Operaciones</a:t>
             </a:r>
             <a:r>
-              <a:rPr lang="en-US" dirty="0" smtClean="0"/>
+              <a:rPr lang="en-US" b="1" dirty="0" smtClean="0"/>
               <a:t> </a:t>
             </a:r>
             <a:r>
-              <a:rPr lang="en-US" dirty="0" err="1" smtClean="0"/>
+              <a:rPr lang="en-US" b="1" dirty="0" err="1" smtClean="0"/>
               <a:t>Genéticas</a:t>
             </a:r>
             <a:r>
-              <a:rPr lang="en-US" dirty="0" smtClean="0"/>
-              <a:t> -&gt; Crossover + </a:t>
-            </a:r>
-            <a:r>
-              <a:rPr lang="en-US" dirty="0" err="1" smtClean="0"/>
+              <a:rPr lang="en-US" b="1" dirty="0" smtClean="0"/>
+              <a:t> </a:t>
+            </a:r>
+            <a:r>
+              <a:rPr lang="en-US" sz="2400" dirty="0" smtClean="0"/>
+              <a:t>-&gt; Crossover + </a:t>
+            </a:r>
+            <a:r>
+              <a:rPr lang="en-US" sz="2400" dirty="0" err="1" smtClean="0"/>
               <a:t>Mutación</a:t>
             </a:r>
             <a:r>
-              <a:rPr lang="en-US" dirty="0"/>
+              <a:rPr lang="en-US" sz="2400" dirty="0"/>
               <a:t> </a:t>
             </a:r>
             <a:r>
-              <a:rPr lang="en-US" dirty="0" smtClean="0"/>
+              <a:rPr lang="en-US" sz="2400" dirty="0" smtClean="0"/>
               <a:t>+  </a:t>
             </a:r>
             <a:r>
-              <a:rPr lang="en-US" dirty="0" err="1" smtClean="0"/>
+              <a:rPr lang="en-US" sz="2400" dirty="0" err="1" smtClean="0"/>
               <a:t>Backpropagation</a:t>
             </a:r>
-            <a:endParaRPr lang="en-US" dirty="0" smtClean="0"/>
+            <a:endParaRPr lang="en-US" sz="2400" dirty="0" smtClean="0"/>
           </a:p>
         </p:txBody>
       </p:sp>
@@ -6398,52 +6745,64 @@
           <a:bodyPr/>
           <a:lstStyle/>
           <a:p>
-            <a:r>
-              <a:rPr lang="en-US" dirty="0" err="1" smtClean="0"/>
+            <a:pPr>
+              <a:lnSpc>
+                <a:spcPct val="150000"/>
+              </a:lnSpc>
+            </a:pPr>
+            <a:r>
+              <a:rPr lang="en-US" b="1" dirty="0" err="1" smtClean="0"/>
               <a:t>Individuo</a:t>
             </a:r>
-            <a:r>
-              <a:rPr lang="en-US" dirty="0" smtClean="0"/>
-              <a:t>.</a:t>
-            </a:r>
-          </a:p>
-          <a:p>
-            <a:r>
-              <a:rPr lang="en-US" dirty="0" smtClean="0"/>
-              <a:t>Locus.</a:t>
-            </a:r>
-          </a:p>
-          <a:p>
-            <a:r>
-              <a:rPr lang="en-US" dirty="0" err="1" smtClean="0"/>
+            <a:endParaRPr lang="en-US" b="1" dirty="0" smtClean="0"/>
+          </a:p>
+          <a:p>
+            <a:pPr>
+              <a:lnSpc>
+                <a:spcPct val="150000"/>
+              </a:lnSpc>
+            </a:pPr>
+            <a:r>
+              <a:rPr lang="en-US" b="1" dirty="0" smtClean="0"/>
+              <a:t>Locus</a:t>
+            </a:r>
+            <a:endParaRPr lang="en-US" b="1" dirty="0" smtClean="0"/>
+          </a:p>
+          <a:p>
+            <a:pPr>
+              <a:lnSpc>
+                <a:spcPct val="150000"/>
+              </a:lnSpc>
+            </a:pPr>
+            <a:r>
+              <a:rPr lang="en-US" b="1" dirty="0" err="1" smtClean="0"/>
               <a:t>Individuo</a:t>
             </a:r>
             <a:r>
-              <a:rPr lang="en-US" dirty="0" smtClean="0"/>
+              <a:rPr lang="en-US" b="1" dirty="0" smtClean="0"/>
               <a:t> no </a:t>
             </a:r>
             <a:r>
-              <a:rPr lang="en-US" dirty="0" err="1" smtClean="0"/>
+              <a:rPr lang="en-US" b="1" dirty="0" err="1" smtClean="0"/>
               <a:t>uniforme</a:t>
             </a:r>
-            <a:r>
-              <a:rPr lang="en-US" dirty="0" smtClean="0"/>
-              <a:t>.</a:t>
-            </a:r>
-          </a:p>
-          <a:p>
-            <a:r>
-              <a:rPr lang="en-US" dirty="0" smtClean="0"/>
+            <a:endParaRPr lang="en-US" b="1" dirty="0" smtClean="0"/>
+          </a:p>
+          <a:p>
+            <a:pPr>
+              <a:lnSpc>
+                <a:spcPct val="150000"/>
+              </a:lnSpc>
+            </a:pPr>
+            <a:r>
+              <a:rPr lang="en-US" b="1" dirty="0" smtClean="0"/>
               <a:t>Locus no </a:t>
             </a:r>
             <a:r>
-              <a:rPr lang="en-US" dirty="0" err="1" smtClean="0"/>
+              <a:rPr lang="en-US" b="1" dirty="0" err="1" smtClean="0"/>
               <a:t>uniforme</a:t>
             </a:r>
-            <a:r>
-              <a:rPr lang="en-US" dirty="0" smtClean="0"/>
-              <a:t>.</a:t>
-            </a:r>
+            <a:endParaRPr lang="en-US" b="1" dirty="0" smtClean="0"/>
           </a:p>
         </p:txBody>
       </p:sp>
@@ -6616,61 +6975,68 @@
           <a:bodyPr/>
           <a:lstStyle/>
           <a:p>
-            <a:r>
-              <a:rPr lang="en-US" dirty="0" err="1" smtClean="0"/>
+            <a:pPr>
+              <a:lnSpc>
+                <a:spcPct val="150000"/>
+              </a:lnSpc>
+            </a:pPr>
+            <a:r>
+              <a:rPr lang="en-US" b="1" dirty="0" err="1" smtClean="0"/>
               <a:t>Cruce</a:t>
             </a:r>
             <a:r>
-              <a:rPr lang="en-US" dirty="0" smtClean="0"/>
+              <a:rPr lang="en-US" b="1" dirty="0" smtClean="0"/>
               <a:t> de un </a:t>
             </a:r>
             <a:r>
-              <a:rPr lang="en-US" dirty="0" err="1" smtClean="0"/>
+              <a:rPr lang="en-US" b="1" dirty="0" err="1" smtClean="0"/>
               <a:t>punto</a:t>
             </a:r>
-            <a:r>
-              <a:rPr lang="en-US" dirty="0" smtClean="0"/>
-              <a:t>.</a:t>
-            </a:r>
-          </a:p>
-          <a:p>
-            <a:r>
-              <a:rPr lang="en-US" dirty="0" err="1" smtClean="0"/>
+            <a:endParaRPr lang="en-US" b="1" dirty="0" smtClean="0"/>
+          </a:p>
+          <a:p>
+            <a:pPr>
+              <a:lnSpc>
+                <a:spcPct val="150000"/>
+              </a:lnSpc>
+            </a:pPr>
+            <a:r>
+              <a:rPr lang="en-US" b="1" dirty="0" err="1" smtClean="0"/>
               <a:t>Cruce</a:t>
             </a:r>
             <a:r>
-              <a:rPr lang="en-US" dirty="0" smtClean="0"/>
+              <a:rPr lang="en-US" b="1" dirty="0" smtClean="0"/>
               <a:t> de dos </a:t>
             </a:r>
             <a:r>
-              <a:rPr lang="en-US" dirty="0" err="1" smtClean="0"/>
+              <a:rPr lang="en-US" b="1" dirty="0" err="1" smtClean="0"/>
               <a:t>puntos</a:t>
             </a:r>
-            <a:r>
-              <a:rPr lang="en-US" dirty="0" smtClean="0"/>
-              <a:t>.</a:t>
-            </a:r>
-          </a:p>
-          <a:p>
-            <a:r>
-              <a:rPr lang="en-US" dirty="0" err="1" smtClean="0"/>
+            <a:endParaRPr lang="en-US" b="1" dirty="0" smtClean="0"/>
+          </a:p>
+          <a:p>
+            <a:pPr>
+              <a:lnSpc>
+                <a:spcPct val="150000"/>
+              </a:lnSpc>
+            </a:pPr>
+            <a:r>
+              <a:rPr lang="en-US" b="1" dirty="0" err="1" smtClean="0"/>
               <a:t>Uniforme</a:t>
             </a:r>
-            <a:r>
-              <a:rPr lang="en-US" dirty="0" smtClean="0"/>
-              <a:t>.</a:t>
-            </a:r>
-          </a:p>
-          <a:p>
-            <a:r>
-              <a:rPr lang="en-US" dirty="0" err="1" smtClean="0"/>
+            <a:endParaRPr lang="en-US" b="1" dirty="0" smtClean="0"/>
+          </a:p>
+          <a:p>
+            <a:pPr>
+              <a:lnSpc>
+                <a:spcPct val="150000"/>
+              </a:lnSpc>
+            </a:pPr>
+            <a:r>
+              <a:rPr lang="en-US" b="1" dirty="0" err="1" smtClean="0"/>
               <a:t>Anular</a:t>
             </a:r>
-            <a:r>
-              <a:rPr lang="en-US" dirty="0" smtClean="0"/>
-              <a:t>.</a:t>
-            </a:r>
-            <a:endParaRPr lang="es-AR" dirty="0"/>
+            <a:endParaRPr lang="es-AR" b="1" dirty="0"/>
           </a:p>
         </p:txBody>
       </p:sp>
@@ -6845,71 +7211,104 @@
           <a:bodyPr/>
           <a:lstStyle/>
           <a:p>
-            <a:r>
-              <a:rPr lang="en-US" dirty="0" err="1" smtClean="0"/>
+            <a:pPr>
+              <a:lnSpc>
+                <a:spcPct val="130000"/>
+              </a:lnSpc>
+            </a:pPr>
+            <a:r>
+              <a:rPr lang="en-US" b="1" dirty="0" err="1" smtClean="0"/>
               <a:t>Ruleta</a:t>
             </a:r>
-            <a:r>
-              <a:rPr lang="en-US" dirty="0" smtClean="0"/>
-              <a:t>.</a:t>
-            </a:r>
-          </a:p>
-          <a:p>
-            <a:r>
-              <a:rPr lang="en-US" dirty="0" smtClean="0"/>
-              <a:t>Universal.</a:t>
-            </a:r>
-          </a:p>
-          <a:p>
-            <a:r>
-              <a:rPr lang="en-US" dirty="0" err="1" smtClean="0"/>
+            <a:endParaRPr lang="en-US" b="1" dirty="0" smtClean="0"/>
+          </a:p>
+          <a:p>
+            <a:pPr>
+              <a:lnSpc>
+                <a:spcPct val="130000"/>
+              </a:lnSpc>
+            </a:pPr>
+            <a:r>
+              <a:rPr lang="en-US" b="1" dirty="0" smtClean="0"/>
+              <a:t>Universal</a:t>
+            </a:r>
+            <a:endParaRPr lang="en-US" b="1" dirty="0" smtClean="0"/>
+          </a:p>
+          <a:p>
+            <a:pPr>
+              <a:lnSpc>
+                <a:spcPct val="130000"/>
+              </a:lnSpc>
+            </a:pPr>
+            <a:r>
+              <a:rPr lang="en-US" b="1" dirty="0" err="1" smtClean="0"/>
               <a:t>Boltzman</a:t>
             </a:r>
-            <a:r>
-              <a:rPr lang="en-US" dirty="0" smtClean="0"/>
-              <a:t>.</a:t>
-            </a:r>
-          </a:p>
-          <a:p>
-            <a:r>
-              <a:rPr lang="en-US" dirty="0" err="1" smtClean="0"/>
+            <a:endParaRPr lang="en-US" b="1" dirty="0" smtClean="0"/>
+          </a:p>
+          <a:p>
+            <a:pPr>
+              <a:lnSpc>
+                <a:spcPct val="130000"/>
+              </a:lnSpc>
+            </a:pPr>
+            <a:r>
+              <a:rPr lang="en-US" b="1" dirty="0" err="1" smtClean="0"/>
               <a:t>Elitismo</a:t>
             </a:r>
-            <a:r>
-              <a:rPr lang="en-US" dirty="0" smtClean="0"/>
-              <a:t>.</a:t>
-            </a:r>
-          </a:p>
-          <a:p>
-            <a:r>
-              <a:rPr lang="en-US" dirty="0" err="1" smtClean="0"/>
+            <a:endParaRPr lang="en-US" b="1" dirty="0" smtClean="0"/>
+          </a:p>
+          <a:p>
+            <a:pPr>
+              <a:lnSpc>
+                <a:spcPct val="130000"/>
+              </a:lnSpc>
+            </a:pPr>
+            <a:r>
+              <a:rPr lang="en-US" b="1" dirty="0" err="1" smtClean="0"/>
               <a:t>Torneos</a:t>
             </a:r>
-            <a:r>
-              <a:rPr lang="en-US" dirty="0" smtClean="0"/>
-              <a:t>.</a:t>
-            </a:r>
-          </a:p>
-          <a:p>
-            <a:r>
-              <a:rPr lang="en-US" dirty="0" err="1" smtClean="0"/>
+            <a:endParaRPr lang="en-US" b="1" dirty="0" smtClean="0"/>
+          </a:p>
+          <a:p>
+            <a:pPr>
+              <a:lnSpc>
+                <a:spcPct val="130000"/>
+              </a:lnSpc>
+            </a:pPr>
+            <a:r>
+              <a:rPr lang="en-US" b="1" dirty="0" err="1" smtClean="0"/>
               <a:t>Mixto</a:t>
             </a:r>
             <a:r>
-              <a:rPr lang="en-US" dirty="0" smtClean="0"/>
-              <a:t> 1.</a:t>
-            </a:r>
-          </a:p>
-          <a:p>
-            <a:r>
-              <a:rPr lang="en-US" dirty="0" err="1" smtClean="0"/>
+              <a:rPr lang="en-US" b="1" dirty="0" smtClean="0"/>
+              <a:t> </a:t>
+            </a:r>
+            <a:r>
+              <a:rPr lang="en-US" b="1" dirty="0" smtClean="0"/>
+              <a:t>1</a:t>
+            </a:r>
+            <a:endParaRPr lang="en-US" b="1" dirty="0" smtClean="0"/>
+          </a:p>
+          <a:p>
+            <a:pPr>
+              <a:lnSpc>
+                <a:spcPct val="130000"/>
+              </a:lnSpc>
+            </a:pPr>
+            <a:r>
+              <a:rPr lang="en-US" b="1" dirty="0" err="1" smtClean="0"/>
               <a:t>Mixto</a:t>
             </a:r>
             <a:r>
-              <a:rPr lang="en-US" dirty="0" smtClean="0"/>
-              <a:t> 2.</a:t>
-            </a:r>
-            <a:endParaRPr lang="es-AR" dirty="0"/>
+              <a:rPr lang="en-US" b="1" dirty="0" smtClean="0"/>
+              <a:t> </a:t>
+            </a:r>
+            <a:r>
+              <a:rPr lang="en-US" b="1" dirty="0" smtClean="0"/>
+              <a:t>2</a:t>
+            </a:r>
+            <a:endParaRPr lang="es-AR" b="1" dirty="0"/>
           </a:p>
         </p:txBody>
       </p:sp>

--- a/presentation/Sistemas de Inteligencia Artificial.pptx
+++ b/presentation/Sistemas de Inteligencia Artificial.pptx
@@ -14,10 +14,10 @@
     <p:sldId id="262" r:id="rId8"/>
     <p:sldId id="263" r:id="rId9"/>
     <p:sldId id="264" r:id="rId10"/>
-    <p:sldId id="265" r:id="rId11"/>
-    <p:sldId id="266" r:id="rId12"/>
-    <p:sldId id="268" r:id="rId13"/>
-    <p:sldId id="269" r:id="rId14"/>
+    <p:sldId id="272" r:id="rId11"/>
+    <p:sldId id="265" r:id="rId12"/>
+    <p:sldId id="266" r:id="rId13"/>
+    <p:sldId id="273" r:id="rId14"/>
     <p:sldId id="271" r:id="rId15"/>
     <p:sldId id="270" r:id="rId16"/>
     <p:sldId id="267" r:id="rId17"/>
@@ -125,7 +125,7 @@
 <file path=ppt/charts/chart1.xml><?xml version="1.0" encoding="utf-8"?>
 <c:chartSpace xmlns:c="http://schemas.openxmlformats.org/drawingml/2006/chart" xmlns:a="http://schemas.openxmlformats.org/drawingml/2006/main" xmlns:r="http://schemas.openxmlformats.org/officeDocument/2006/relationships">
   <c:date1904 val="0"/>
-  <c:lang val="en-US"/>
+  <c:lang val="es-AR"/>
   <c:roundedCorners val="0"/>
   <mc:AlternateContent xmlns:mc="http://schemas.openxmlformats.org/markup-compatibility/2006">
     <mc:Choice xmlns:c14="http://schemas.microsoft.com/office/drawing/2007/8/2/chart" Requires="c14">
@@ -148,7 +148,7 @@
           <c:order val="0"/>
           <c:tx>
             <c:strRef>
-              <c:f>Sheet1!$A$2</c:f>
+              <c:f>[SIA.xlsx]Sheet1!$A$2</c:f>
               <c:strCache>
                 <c:ptCount val="1"/>
                 <c:pt idx="0">
@@ -160,7 +160,7 @@
           <c:invertIfNegative val="0"/>
           <c:cat>
             <c:strRef>
-              <c:f>Sheet1!$B$1:$E$1</c:f>
+              <c:f>[SIA.xlsx]Sheet1!$B$1:$E$1</c:f>
               <c:strCache>
                 <c:ptCount val="4"/>
                 <c:pt idx="0">
@@ -180,21 +180,21 @@
           </c:cat>
           <c:val>
             <c:numRef>
-              <c:f>Sheet1!$B$2:$E$2</c:f>
+              <c:f>[SIA.xlsx]Sheet1!$B$2:$E$2</c:f>
               <c:numCache>
                 <c:formatCode>General</c:formatCode>
                 <c:ptCount val="4"/>
                 <c:pt idx="0">
-                  <c:v>0.22881</c:v>
+                  <c:v>0.12120499999999999</c:v>
                 </c:pt>
                 <c:pt idx="1">
-                  <c:v>0.22642</c:v>
+                  <c:v>7.1066000000000004E-2</c:v>
                 </c:pt>
                 <c:pt idx="2">
-                  <c:v>0.23566</c:v>
+                  <c:v>7.1640999999999996E-2</c:v>
                 </c:pt>
                 <c:pt idx="3">
-                  <c:v>0.20296</c:v>
+                  <c:v>7.6344999999999996E-2</c:v>
                 </c:pt>
               </c:numCache>
             </c:numRef>
@@ -205,7 +205,7 @@
           <c:order val="1"/>
           <c:tx>
             <c:strRef>
-              <c:f>Sheet1!$A$3</c:f>
+              <c:f>[SIA.xlsx]Sheet1!$A$3</c:f>
               <c:strCache>
                 <c:ptCount val="1"/>
                 <c:pt idx="0">
@@ -217,7 +217,7 @@
           <c:invertIfNegative val="0"/>
           <c:cat>
             <c:strRef>
-              <c:f>Sheet1!$B$1:$E$1</c:f>
+              <c:f>[SIA.xlsx]Sheet1!$B$1:$E$1</c:f>
               <c:strCache>
                 <c:ptCount val="4"/>
                 <c:pt idx="0">
@@ -237,21 +237,21 @@
           </c:cat>
           <c:val>
             <c:numRef>
-              <c:f>Sheet1!$B$3:$E$3</c:f>
+              <c:f>[SIA.xlsx]Sheet1!$B$3:$E$3</c:f>
               <c:numCache>
                 <c:formatCode>General</c:formatCode>
                 <c:ptCount val="4"/>
                 <c:pt idx="0">
-                  <c:v>0.1185</c:v>
+                  <c:v>0.10208200000000001</c:v>
                 </c:pt>
                 <c:pt idx="1">
-                  <c:v>0.0422</c:v>
+                  <c:v>2.2829999999999999E-3</c:v>
                 </c:pt>
                 <c:pt idx="2">
-                  <c:v>0.1149</c:v>
+                  <c:v>3.6219999999999998E-3</c:v>
                 </c:pt>
                 <c:pt idx="3">
-                  <c:v>0.0382</c:v>
+                  <c:v>1.49E-3</c:v>
                 </c:pt>
               </c:numCache>
             </c:numRef>
@@ -266,11 +266,11 @@
           <c:showBubbleSize val="0"/>
         </c:dLbls>
         <c:gapWidth val="150"/>
-        <c:axId val="-2144141000"/>
-        <c:axId val="-2144143992"/>
+        <c:axId val="56425088"/>
+        <c:axId val="56504704"/>
       </c:barChart>
       <c:catAx>
-        <c:axId val="-2144141000"/>
+        <c:axId val="56425088"/>
         <c:scaling>
           <c:orientation val="minMax"/>
         </c:scaling>
@@ -279,7 +279,7 @@
         <c:majorTickMark val="out"/>
         <c:minorTickMark val="none"/>
         <c:tickLblPos val="nextTo"/>
-        <c:crossAx val="-2144143992"/>
+        <c:crossAx val="56504704"/>
         <c:crosses val="autoZero"/>
         <c:auto val="1"/>
         <c:lblAlgn val="ctr"/>
@@ -287,7 +287,7 @@
         <c:noMultiLvlLbl val="0"/>
       </c:catAx>
       <c:valAx>
-        <c:axId val="-2144143992"/>
+        <c:axId val="56504704"/>
         <c:scaling>
           <c:orientation val="minMax"/>
         </c:scaling>
@@ -298,7 +298,7 @@
         <c:majorTickMark val="out"/>
         <c:minorTickMark val="none"/>
         <c:tickLblPos val="nextTo"/>
-        <c:crossAx val="-2144141000"/>
+        <c:crossAx val="56425088"/>
         <c:crosses val="autoZero"/>
         <c:crossBetween val="between"/>
       </c:valAx>
@@ -321,7 +321,7 @@
 <file path=ppt/charts/chart2.xml><?xml version="1.0" encoding="utf-8"?>
 <c:chartSpace xmlns:c="http://schemas.openxmlformats.org/drawingml/2006/chart" xmlns:a="http://schemas.openxmlformats.org/drawingml/2006/main" xmlns:r="http://schemas.openxmlformats.org/officeDocument/2006/relationships">
   <c:date1904 val="0"/>
-  <c:lang val="en-US"/>
+  <c:lang val="es-AR"/>
   <c:roundedCorners val="0"/>
   <mc:AlternateContent xmlns:mc="http://schemas.openxmlformats.org/markup-compatibility/2006">
     <mc:Choice xmlns:c14="http://schemas.microsoft.com/office/drawing/2007/8/2/chart" Requires="c14">
@@ -344,7 +344,7 @@
           <c:order val="0"/>
           <c:tx>
             <c:strRef>
-              <c:f>Sheet1!$A$6</c:f>
+              <c:f>[SIA.xlsx]Sheet1!$A$6</c:f>
               <c:strCache>
                 <c:ptCount val="1"/>
                 <c:pt idx="0">
@@ -356,7 +356,7 @@
           <c:invertIfNegative val="0"/>
           <c:cat>
             <c:strRef>
-              <c:f>Sheet1!$B$5:$E$5</c:f>
+              <c:f>[SIA.xlsx]Sheet1!$B$5:$E$5</c:f>
               <c:strCache>
                 <c:ptCount val="4"/>
                 <c:pt idx="0">
@@ -376,21 +376,21 @@
           </c:cat>
           <c:val>
             <c:numRef>
-              <c:f>Sheet1!$B$6:$E$6</c:f>
+              <c:f>[SIA.xlsx]Sheet1!$B$6:$E$6</c:f>
               <c:numCache>
                 <c:formatCode>General</c:formatCode>
                 <c:ptCount val="4"/>
                 <c:pt idx="0">
-                  <c:v>0.23749</c:v>
+                  <c:v>7.9263E-2</c:v>
                 </c:pt>
                 <c:pt idx="1">
-                  <c:v>0.22127</c:v>
+                  <c:v>0.11637599999999999</c:v>
                 </c:pt>
                 <c:pt idx="2">
-                  <c:v>0.22962</c:v>
+                  <c:v>0.113188</c:v>
                 </c:pt>
                 <c:pt idx="3">
-                  <c:v>0.21647</c:v>
+                  <c:v>9.1063000000000005E-2</c:v>
                 </c:pt>
               </c:numCache>
             </c:numRef>
@@ -401,7 +401,7 @@
           <c:order val="1"/>
           <c:tx>
             <c:strRef>
-              <c:f>Sheet1!$A$7</c:f>
+              <c:f>[SIA.xlsx]Sheet1!$A$7</c:f>
               <c:strCache>
                 <c:ptCount val="1"/>
                 <c:pt idx="0">
@@ -413,7 +413,7 @@
           <c:invertIfNegative val="0"/>
           <c:cat>
             <c:strRef>
-              <c:f>Sheet1!$B$5:$E$5</c:f>
+              <c:f>[SIA.xlsx]Sheet1!$B$5:$E$5</c:f>
               <c:strCache>
                 <c:ptCount val="4"/>
                 <c:pt idx="0">
@@ -433,21 +433,21 @@
           </c:cat>
           <c:val>
             <c:numRef>
-              <c:f>Sheet1!$B$7:$E$7</c:f>
+              <c:f>[SIA.xlsx]Sheet1!$B$7:$E$7</c:f>
               <c:numCache>
                 <c:formatCode>General</c:formatCode>
                 <c:ptCount val="4"/>
                 <c:pt idx="0">
-                  <c:v>0.1091</c:v>
+                  <c:v>8.7000000000000001E-4</c:v>
                 </c:pt>
                 <c:pt idx="1">
-                  <c:v>0.0837</c:v>
+                  <c:v>6.4213999999999993E-2</c:v>
                 </c:pt>
                 <c:pt idx="2">
-                  <c:v>0.1134</c:v>
+                  <c:v>4.1951000000000002E-2</c:v>
                 </c:pt>
                 <c:pt idx="3">
-                  <c:v>0.0831</c:v>
+                  <c:v>6.8209999999999998E-3</c:v>
                 </c:pt>
               </c:numCache>
             </c:numRef>
@@ -462,11 +462,11 @@
           <c:showBubbleSize val="0"/>
         </c:dLbls>
         <c:gapWidth val="150"/>
-        <c:axId val="-2144690296"/>
-        <c:axId val="-2144687320"/>
+        <c:axId val="56542720"/>
+        <c:axId val="56544256"/>
       </c:barChart>
       <c:catAx>
-        <c:axId val="-2144690296"/>
+        <c:axId val="56542720"/>
         <c:scaling>
           <c:orientation val="minMax"/>
         </c:scaling>
@@ -475,7 +475,7 @@
         <c:majorTickMark val="out"/>
         <c:minorTickMark val="none"/>
         <c:tickLblPos val="nextTo"/>
-        <c:crossAx val="-2144687320"/>
+        <c:crossAx val="56544256"/>
         <c:crosses val="autoZero"/>
         <c:auto val="1"/>
         <c:lblAlgn val="ctr"/>
@@ -483,7 +483,7 @@
         <c:noMultiLvlLbl val="0"/>
       </c:catAx>
       <c:valAx>
-        <c:axId val="-2144687320"/>
+        <c:axId val="56544256"/>
         <c:scaling>
           <c:orientation val="minMax"/>
         </c:scaling>
@@ -494,7 +494,7 @@
         <c:majorTickMark val="out"/>
         <c:minorTickMark val="none"/>
         <c:tickLblPos val="nextTo"/>
-        <c:crossAx val="-2144690296"/>
+        <c:crossAx val="56542720"/>
         <c:crosses val="autoZero"/>
         <c:crossBetween val="between"/>
       </c:valAx>
@@ -517,7 +517,7 @@
 <file path=ppt/charts/chart3.xml><?xml version="1.0" encoding="utf-8"?>
 <c:chartSpace xmlns:c="http://schemas.openxmlformats.org/drawingml/2006/chart" xmlns:a="http://schemas.openxmlformats.org/drawingml/2006/main" xmlns:r="http://schemas.openxmlformats.org/officeDocument/2006/relationships">
   <c:date1904 val="0"/>
-  <c:lang val="en-US"/>
+  <c:lang val="es-AR"/>
   <c:roundedCorners val="0"/>
   <mc:AlternateContent xmlns:mc="http://schemas.openxmlformats.org/markup-compatibility/2006">
     <mc:Choice xmlns:c14="http://schemas.microsoft.com/office/drawing/2007/8/2/chart" Requires="c14">
@@ -540,7 +540,7 @@
           <c:order val="0"/>
           <c:tx>
             <c:strRef>
-              <c:f>[SIA.xlsx]Sheet1!$A$27</c:f>
+              <c:f>[SIA.xlsx]Sheet1!$A$20</c:f>
               <c:strCache>
                 <c:ptCount val="1"/>
                 <c:pt idx="0">
@@ -552,11 +552,11 @@
           <c:invertIfNegative val="0"/>
           <c:cat>
             <c:strRef>
-              <c:f>[SIA.xlsx]Sheet1!$B$26:$G$26</c:f>
+              <c:f>[SIA.xlsx]Sheet1!$B$19:$G$19</c:f>
               <c:strCache>
                 <c:ptCount val="6"/>
                 <c:pt idx="0">
-                  <c:v>Elite</c:v>
+                  <c:v>Elitismo</c:v>
                 </c:pt>
                 <c:pt idx="1">
                   <c:v>Ruleta</c:v>
@@ -565,40 +565,40 @@
                   <c:v>Torneo</c:v>
                 </c:pt>
                 <c:pt idx="3">
-                  <c:v>Boltzman</c:v>
+                  <c:v>Boltzmann</c:v>
                 </c:pt>
                 <c:pt idx="4">
-                  <c:v>Mixto 1 (a = 0,5)</c:v>
+                  <c:v>Mixto 1 (a = 0,1)</c:v>
                 </c:pt>
                 <c:pt idx="5">
-                  <c:v>Mixto 2 (a = 0,5)</c:v>
+                  <c:v>Mixto 2 (a = 0,1)</c:v>
                 </c:pt>
               </c:strCache>
             </c:strRef>
           </c:cat>
           <c:val>
             <c:numRef>
-              <c:f>[SIA.xlsx]Sheet1!$B$27:$G$27</c:f>
+              <c:f>[SIA.xlsx]Sheet1!$B$20:$G$20</c:f>
               <c:numCache>
                 <c:formatCode>General</c:formatCode>
                 <c:ptCount val="6"/>
                 <c:pt idx="0">
-                  <c:v>0.01023</c:v>
+                  <c:v>7.6194999999999999E-2</c:v>
                 </c:pt>
                 <c:pt idx="1">
-                  <c:v>0.22511</c:v>
+                  <c:v>0.13731599999999999</c:v>
                 </c:pt>
                 <c:pt idx="2">
-                  <c:v>0.11762</c:v>
+                  <c:v>0.124755</c:v>
                 </c:pt>
                 <c:pt idx="3">
-                  <c:v>0.1812</c:v>
+                  <c:v>8.3913000000000001E-2</c:v>
                 </c:pt>
                 <c:pt idx="4">
-                  <c:v>0.12654</c:v>
+                  <c:v>0.12385</c:v>
                 </c:pt>
                 <c:pt idx="5">
-                  <c:v>0.09615</c:v>
+                  <c:v>8.6469000000000004E-2</c:v>
                 </c:pt>
               </c:numCache>
             </c:numRef>
@@ -609,7 +609,7 @@
           <c:order val="1"/>
           <c:tx>
             <c:strRef>
-              <c:f>[SIA.xlsx]Sheet1!$A$28</c:f>
+              <c:f>[SIA.xlsx]Sheet1!$A$21</c:f>
               <c:strCache>
                 <c:ptCount val="1"/>
                 <c:pt idx="0">
@@ -621,11 +621,11 @@
           <c:invertIfNegative val="0"/>
           <c:cat>
             <c:strRef>
-              <c:f>[SIA.xlsx]Sheet1!$B$26:$G$26</c:f>
+              <c:f>[SIA.xlsx]Sheet1!$B$19:$G$19</c:f>
               <c:strCache>
                 <c:ptCount val="6"/>
                 <c:pt idx="0">
-                  <c:v>Elite</c:v>
+                  <c:v>Elitismo</c:v>
                 </c:pt>
                 <c:pt idx="1">
                   <c:v>Ruleta</c:v>
@@ -634,40 +634,40 @@
                   <c:v>Torneo</c:v>
                 </c:pt>
                 <c:pt idx="3">
-                  <c:v>Boltzman</c:v>
+                  <c:v>Boltzmann</c:v>
                 </c:pt>
                 <c:pt idx="4">
-                  <c:v>Mixto 1 (a = 0,5)</c:v>
+                  <c:v>Mixto 1 (a = 0,1)</c:v>
                 </c:pt>
                 <c:pt idx="5">
-                  <c:v>Mixto 2 (a = 0,5)</c:v>
+                  <c:v>Mixto 2 (a = 0,1)</c:v>
                 </c:pt>
               </c:strCache>
             </c:strRef>
           </c:cat>
           <c:val>
             <c:numRef>
-              <c:f>[SIA.xlsx]Sheet1!$B$28:$G$28</c:f>
+              <c:f>[SIA.xlsx]Sheet1!$B$21:$G$21</c:f>
               <c:numCache>
                 <c:formatCode>General</c:formatCode>
                 <c:ptCount val="6"/>
                 <c:pt idx="0">
-                  <c:v>0.00045311</c:v>
+                  <c:v>1.0939999999999999E-3</c:v>
                 </c:pt>
                 <c:pt idx="1">
-                  <c:v>0.0597</c:v>
+                  <c:v>0.119855</c:v>
                 </c:pt>
                 <c:pt idx="2">
-                  <c:v>0.097</c:v>
+                  <c:v>0.116358</c:v>
                 </c:pt>
                 <c:pt idx="3">
-                  <c:v>0.1065</c:v>
+                  <c:v>1.276E-3</c:v>
                 </c:pt>
                 <c:pt idx="4">
-                  <c:v>0.00083285</c:v>
+                  <c:v>0.101102</c:v>
                 </c:pt>
                 <c:pt idx="5">
-                  <c:v>0.002</c:v>
+                  <c:v>5.3399999999999997E-4</c:v>
                 </c:pt>
               </c:numCache>
             </c:numRef>
@@ -682,11 +682,11 @@
           <c:showBubbleSize val="0"/>
         </c:dLbls>
         <c:gapWidth val="150"/>
-        <c:axId val="-2144643736"/>
-        <c:axId val="-2144640760"/>
+        <c:axId val="66679168"/>
+        <c:axId val="66680704"/>
       </c:barChart>
       <c:catAx>
-        <c:axId val="-2144643736"/>
+        <c:axId val="66679168"/>
         <c:scaling>
           <c:orientation val="minMax"/>
         </c:scaling>
@@ -695,7 +695,7 @@
         <c:majorTickMark val="out"/>
         <c:minorTickMark val="none"/>
         <c:tickLblPos val="nextTo"/>
-        <c:crossAx val="-2144640760"/>
+        <c:crossAx val="66680704"/>
         <c:crosses val="autoZero"/>
         <c:auto val="1"/>
         <c:lblAlgn val="ctr"/>
@@ -703,7 +703,7 @@
         <c:noMultiLvlLbl val="0"/>
       </c:catAx>
       <c:valAx>
-        <c:axId val="-2144640760"/>
+        <c:axId val="66680704"/>
         <c:scaling>
           <c:orientation val="minMax"/>
         </c:scaling>
@@ -714,7 +714,7 @@
         <c:majorTickMark val="out"/>
         <c:minorTickMark val="none"/>
         <c:tickLblPos val="nextTo"/>
-        <c:crossAx val="-2144643736"/>
+        <c:crossAx val="66679168"/>
         <c:crosses val="autoZero"/>
         <c:crossBetween val="between"/>
       </c:valAx>
@@ -737,7 +737,7 @@
 <file path=ppt/charts/chart4.xml><?xml version="1.0" encoding="utf-8"?>
 <c:chartSpace xmlns:c="http://schemas.openxmlformats.org/drawingml/2006/chart" xmlns:a="http://schemas.openxmlformats.org/drawingml/2006/main" xmlns:r="http://schemas.openxmlformats.org/officeDocument/2006/relationships">
   <c:date1904 val="0"/>
-  <c:lang val="en-US"/>
+  <c:lang val="es-AR"/>
   <c:roundedCorners val="0"/>
   <mc:AlternateContent xmlns:mc="http://schemas.openxmlformats.org/markup-compatibility/2006">
     <mc:Choice xmlns:c14="http://schemas.microsoft.com/office/drawing/2007/8/2/chart" Requires="c14">
@@ -760,7 +760,7 @@
           <c:order val="0"/>
           <c:tx>
             <c:strRef>
-              <c:f>[SIA.xlsx]Sheet1!$A$41</c:f>
+              <c:f>[SIA.xlsx]Sheet1!$A$20</c:f>
               <c:strCache>
                 <c:ptCount val="1"/>
                 <c:pt idx="0">
@@ -772,35 +772,53 @@
           <c:invertIfNegative val="0"/>
           <c:cat>
             <c:strRef>
-              <c:f>[SIA.xlsx]Sheet1!$B$40:$D$40</c:f>
+              <c:f>[SIA.xlsx]Sheet1!$B$19:$G$19</c:f>
               <c:strCache>
-                <c:ptCount val="3"/>
+                <c:ptCount val="6"/>
                 <c:pt idx="0">
-                  <c:v>Metodo 1 (Elite)</c:v>
+                  <c:v>Elitismo</c:v>
                 </c:pt>
                 <c:pt idx="1">
-                  <c:v>Metodo 2 (E + M1)</c:v>
+                  <c:v>Ruleta</c:v>
                 </c:pt>
                 <c:pt idx="2">
-                  <c:v>Metodo 3 (E + M1)</c:v>
+                  <c:v>Torneo</c:v>
+                </c:pt>
+                <c:pt idx="3">
+                  <c:v>Boltzmann</c:v>
+                </c:pt>
+                <c:pt idx="4">
+                  <c:v>Mixto 1 (a = 0,1)</c:v>
+                </c:pt>
+                <c:pt idx="5">
+                  <c:v>Mixto 2 (a = 0,1)</c:v>
                 </c:pt>
               </c:strCache>
             </c:strRef>
           </c:cat>
           <c:val>
             <c:numRef>
-              <c:f>[SIA.xlsx]Sheet1!$B$41:$D$41</c:f>
+              <c:f>[SIA.xlsx]Sheet1!$B$20:$G$20</c:f>
               <c:numCache>
                 <c:formatCode>General</c:formatCode>
-                <c:ptCount val="3"/>
+                <c:ptCount val="6"/>
                 <c:pt idx="0">
-                  <c:v>0.03388</c:v>
+                  <c:v>0.112548</c:v>
                 </c:pt>
                 <c:pt idx="1">
-                  <c:v>0.06999</c:v>
+                  <c:v>7.5699000000000002E-2</c:v>
                 </c:pt>
                 <c:pt idx="2">
-                  <c:v>0.112</c:v>
+                  <c:v>0.10796600000000001</c:v>
+                </c:pt>
+                <c:pt idx="3">
+                  <c:v>0.129495</c:v>
+                </c:pt>
+                <c:pt idx="4">
+                  <c:v>0.12687499999999999</c:v>
+                </c:pt>
+                <c:pt idx="5">
+                  <c:v>8.2812999999999998E-2</c:v>
                 </c:pt>
               </c:numCache>
             </c:numRef>
@@ -811,7 +829,7 @@
           <c:order val="1"/>
           <c:tx>
             <c:strRef>
-              <c:f>[SIA.xlsx]Sheet1!$A$42</c:f>
+              <c:f>[SIA.xlsx]Sheet1!$A$21</c:f>
               <c:strCache>
                 <c:ptCount val="1"/>
                 <c:pt idx="0">
@@ -823,35 +841,53 @@
           <c:invertIfNegative val="0"/>
           <c:cat>
             <c:strRef>
-              <c:f>[SIA.xlsx]Sheet1!$B$40:$D$40</c:f>
+              <c:f>[SIA.xlsx]Sheet1!$B$19:$G$19</c:f>
               <c:strCache>
-                <c:ptCount val="3"/>
+                <c:ptCount val="6"/>
                 <c:pt idx="0">
-                  <c:v>Metodo 1 (Elite)</c:v>
+                  <c:v>Elitismo</c:v>
                 </c:pt>
                 <c:pt idx="1">
-                  <c:v>Metodo 2 (E + M1)</c:v>
+                  <c:v>Ruleta</c:v>
                 </c:pt>
                 <c:pt idx="2">
-                  <c:v>Metodo 3 (E + M1)</c:v>
+                  <c:v>Torneo</c:v>
+                </c:pt>
+                <c:pt idx="3">
+                  <c:v>Boltzmann</c:v>
+                </c:pt>
+                <c:pt idx="4">
+                  <c:v>Mixto 1 (a = 0,1)</c:v>
+                </c:pt>
+                <c:pt idx="5">
+                  <c:v>Mixto 2 (a = 0,1)</c:v>
                 </c:pt>
               </c:strCache>
             </c:strRef>
           </c:cat>
           <c:val>
             <c:numRef>
-              <c:f>[SIA.xlsx]Sheet1!$B$42:$D$42</c:f>
+              <c:f>[SIA.xlsx]Sheet1!$B$21:$G$21</c:f>
               <c:numCache>
                 <c:formatCode>General</c:formatCode>
-                <c:ptCount val="3"/>
+                <c:ptCount val="6"/>
                 <c:pt idx="0">
-                  <c:v>0.0007206</c:v>
+                  <c:v>0.10256899999999999</c:v>
                 </c:pt>
                 <c:pt idx="1">
-                  <c:v>0.0025</c:v>
+                  <c:v>9.7599999999999998E-4</c:v>
                 </c:pt>
                 <c:pt idx="2">
-                  <c:v>0.0044</c:v>
+                  <c:v>1.941E-3</c:v>
+                </c:pt>
+                <c:pt idx="3">
+                  <c:v>0.111177</c:v>
+                </c:pt>
+                <c:pt idx="4">
+                  <c:v>9.4920000000000004E-2</c:v>
+                </c:pt>
+                <c:pt idx="5">
+                  <c:v>9.7999999999999997E-4</c:v>
                 </c:pt>
               </c:numCache>
             </c:numRef>
@@ -866,11 +902,11 @@
           <c:showBubbleSize val="0"/>
         </c:dLbls>
         <c:gapWidth val="150"/>
-        <c:axId val="-2144599048"/>
-        <c:axId val="-2144596072"/>
+        <c:axId val="66710528"/>
+        <c:axId val="66712320"/>
       </c:barChart>
       <c:catAx>
-        <c:axId val="-2144599048"/>
+        <c:axId val="66710528"/>
         <c:scaling>
           <c:orientation val="minMax"/>
         </c:scaling>
@@ -879,7 +915,7 @@
         <c:majorTickMark val="out"/>
         <c:minorTickMark val="none"/>
         <c:tickLblPos val="nextTo"/>
-        <c:crossAx val="-2144596072"/>
+        <c:crossAx val="66712320"/>
         <c:crosses val="autoZero"/>
         <c:auto val="1"/>
         <c:lblAlgn val="ctr"/>
@@ -887,7 +923,7 @@
         <c:noMultiLvlLbl val="0"/>
       </c:catAx>
       <c:valAx>
-        <c:axId val="-2144596072"/>
+        <c:axId val="66712320"/>
         <c:scaling>
           <c:orientation val="minMax"/>
         </c:scaling>
@@ -898,7 +934,7 @@
         <c:majorTickMark val="out"/>
         <c:minorTickMark val="none"/>
         <c:tickLblPos val="nextTo"/>
-        <c:crossAx val="-2144599048"/>
+        <c:crossAx val="66710528"/>
         <c:crosses val="autoZero"/>
         <c:crossBetween val="between"/>
       </c:valAx>
@@ -921,7 +957,7 @@
 <file path=ppt/charts/chart5.xml><?xml version="1.0" encoding="utf-8"?>
 <c:chartSpace xmlns:c="http://schemas.openxmlformats.org/drawingml/2006/chart" xmlns:a="http://schemas.openxmlformats.org/drawingml/2006/main" xmlns:r="http://schemas.openxmlformats.org/officeDocument/2006/relationships">
   <c:date1904 val="0"/>
-  <c:lang val="en-US"/>
+  <c:lang val="es-AR"/>
   <c:roundedCorners val="0"/>
   <mc:AlternateContent xmlns:mc="http://schemas.openxmlformats.org/markup-compatibility/2006">
     <mc:Choice xmlns:c14="http://schemas.microsoft.com/office/drawing/2007/8/2/chart" Requires="c14">
@@ -944,7 +980,7 @@
           <c:order val="0"/>
           <c:tx>
             <c:strRef>
-              <c:f>[SIA.xlsx]Sheet1!$A$32</c:f>
+              <c:f>[SIA.xlsx]Sheet1!$A$25</c:f>
               <c:strCache>
                 <c:ptCount val="1"/>
                 <c:pt idx="0">
@@ -956,29 +992,53 @@
           <c:invertIfNegative val="0"/>
           <c:cat>
             <c:strRef>
-              <c:f>[SIA.xlsx]Sheet1!$B$31:$C$31</c:f>
+              <c:f>[SIA.xlsx]Sheet1!$B$24:$G$24</c:f>
               <c:strCache>
-                <c:ptCount val="2"/>
+                <c:ptCount val="6"/>
                 <c:pt idx="0">
-                  <c:v>Con Backpropagation</c:v>
+                  <c:v>M1 (E + R)</c:v>
                 </c:pt>
                 <c:pt idx="1">
-                  <c:v>Sin Backpropagation</c:v>
+                  <c:v>M1 (B + M2)</c:v>
+                </c:pt>
+                <c:pt idx="2">
+                  <c:v>M2 (E + R)</c:v>
+                </c:pt>
+                <c:pt idx="3">
+                  <c:v>M2 (B + M2)</c:v>
+                </c:pt>
+                <c:pt idx="4">
+                  <c:v>M3 (E + R)</c:v>
+                </c:pt>
+                <c:pt idx="5">
+                  <c:v>M3 (B + M2)</c:v>
                 </c:pt>
               </c:strCache>
             </c:strRef>
           </c:cat>
           <c:val>
             <c:numRef>
-              <c:f>[SIA.xlsx]Sheet1!$B$32:$C$32</c:f>
+              <c:f>[SIA.xlsx]Sheet1!$B$25:$G$25</c:f>
               <c:numCache>
                 <c:formatCode>General</c:formatCode>
-                <c:ptCount val="2"/>
+                <c:ptCount val="6"/>
                 <c:pt idx="0">
-                  <c:v>0.01023</c:v>
+                  <c:v>7.5699000000000002E-2</c:v>
                 </c:pt>
                 <c:pt idx="1">
-                  <c:v>0.11807</c:v>
+                  <c:v>4.5529E-2</c:v>
+                </c:pt>
+                <c:pt idx="2">
+                  <c:v>0.104979</c:v>
+                </c:pt>
+                <c:pt idx="3">
+                  <c:v>8.0785999999999997E-2</c:v>
+                </c:pt>
+                <c:pt idx="4">
+                  <c:v>0.121263</c:v>
+                </c:pt>
+                <c:pt idx="5">
+                  <c:v>0.12614</c:v>
                 </c:pt>
               </c:numCache>
             </c:numRef>
@@ -989,7 +1049,7 @@
           <c:order val="1"/>
           <c:tx>
             <c:strRef>
-              <c:f>[SIA.xlsx]Sheet1!$A$33</c:f>
+              <c:f>[SIA.xlsx]Sheet1!$A$26</c:f>
               <c:strCache>
                 <c:ptCount val="1"/>
                 <c:pt idx="0">
@@ -1001,29 +1061,53 @@
           <c:invertIfNegative val="0"/>
           <c:cat>
             <c:strRef>
-              <c:f>[SIA.xlsx]Sheet1!$B$31:$C$31</c:f>
+              <c:f>[SIA.xlsx]Sheet1!$B$24:$G$24</c:f>
               <c:strCache>
-                <c:ptCount val="2"/>
+                <c:ptCount val="6"/>
                 <c:pt idx="0">
-                  <c:v>Con Backpropagation</c:v>
+                  <c:v>M1 (E + R)</c:v>
                 </c:pt>
                 <c:pt idx="1">
-                  <c:v>Sin Backpropagation</c:v>
+                  <c:v>M1 (B + M2)</c:v>
+                </c:pt>
+                <c:pt idx="2">
+                  <c:v>M2 (E + R)</c:v>
+                </c:pt>
+                <c:pt idx="3">
+                  <c:v>M2 (B + M2)</c:v>
+                </c:pt>
+                <c:pt idx="4">
+                  <c:v>M3 (E + R)</c:v>
+                </c:pt>
+                <c:pt idx="5">
+                  <c:v>M3 (B + M2)</c:v>
                 </c:pt>
               </c:strCache>
             </c:strRef>
           </c:cat>
           <c:val>
             <c:numRef>
-              <c:f>[SIA.xlsx]Sheet1!$B$33:$C$33</c:f>
+              <c:f>[SIA.xlsx]Sheet1!$B$26:$G$26</c:f>
               <c:numCache>
                 <c:formatCode>General</c:formatCode>
-                <c:ptCount val="2"/>
+                <c:ptCount val="6"/>
                 <c:pt idx="0">
-                  <c:v>0.00045311</c:v>
+                  <c:v>9.7599999999999998E-4</c:v>
                 </c:pt>
                 <c:pt idx="1">
-                  <c:v>0.1162</c:v>
+                  <c:v>1.377E-3</c:v>
+                </c:pt>
+                <c:pt idx="2">
+                  <c:v>7.3680000000000004E-3</c:v>
+                </c:pt>
+                <c:pt idx="3">
+                  <c:v>7.7700000000000002E-4</c:v>
+                </c:pt>
+                <c:pt idx="4">
+                  <c:v>0.108932</c:v>
+                </c:pt>
+                <c:pt idx="5">
+                  <c:v>0.111736</c:v>
                 </c:pt>
               </c:numCache>
             </c:numRef>
@@ -1038,11 +1122,11 @@
           <c:showBubbleSize val="0"/>
         </c:dLbls>
         <c:gapWidth val="150"/>
-        <c:axId val="-2144555272"/>
-        <c:axId val="-2144552296"/>
+        <c:axId val="67258240"/>
+        <c:axId val="67259776"/>
       </c:barChart>
       <c:catAx>
-        <c:axId val="-2144555272"/>
+        <c:axId val="67258240"/>
         <c:scaling>
           <c:orientation val="minMax"/>
         </c:scaling>
@@ -1051,7 +1135,7 @@
         <c:majorTickMark val="out"/>
         <c:minorTickMark val="none"/>
         <c:tickLblPos val="nextTo"/>
-        <c:crossAx val="-2144552296"/>
+        <c:crossAx val="67259776"/>
         <c:crosses val="autoZero"/>
         <c:auto val="1"/>
         <c:lblAlgn val="ctr"/>
@@ -1059,7 +1143,7 @@
         <c:noMultiLvlLbl val="0"/>
       </c:catAx>
       <c:valAx>
-        <c:axId val="-2144552296"/>
+        <c:axId val="67259776"/>
         <c:scaling>
           <c:orientation val="minMax"/>
         </c:scaling>
@@ -1070,7 +1154,179 @@
         <c:majorTickMark val="out"/>
         <c:minorTickMark val="none"/>
         <c:tickLblPos val="nextTo"/>
-        <c:crossAx val="-2144555272"/>
+        <c:crossAx val="67258240"/>
+        <c:crosses val="autoZero"/>
+        <c:crossBetween val="between"/>
+      </c:valAx>
+    </c:plotArea>
+    <c:legend>
+      <c:legendPos val="r"/>
+      <c:layout/>
+      <c:overlay val="0"/>
+    </c:legend>
+    <c:plotVisOnly val="1"/>
+    <c:dispBlanksAs val="gap"/>
+    <c:showDLblsOverMax val="0"/>
+  </c:chart>
+  <c:externalData r:id="rId1">
+    <c:autoUpdate val="0"/>
+  </c:externalData>
+</c:chartSpace>
+</file>
+
+<file path=ppt/charts/chart6.xml><?xml version="1.0" encoding="utf-8"?>
+<c:chartSpace xmlns:c="http://schemas.openxmlformats.org/drawingml/2006/chart" xmlns:a="http://schemas.openxmlformats.org/drawingml/2006/main" xmlns:r="http://schemas.openxmlformats.org/officeDocument/2006/relationships">
+  <c:date1904 val="0"/>
+  <c:lang val="es-AR"/>
+  <c:roundedCorners val="0"/>
+  <mc:AlternateContent xmlns:mc="http://schemas.openxmlformats.org/markup-compatibility/2006">
+    <mc:Choice xmlns:c14="http://schemas.microsoft.com/office/drawing/2007/8/2/chart" Requires="c14">
+      <c14:style val="102"/>
+    </mc:Choice>
+    <mc:Fallback>
+      <c:style val="2"/>
+    </mc:Fallback>
+  </mc:AlternateContent>
+  <c:chart>
+    <c:autoTitleDeleted val="0"/>
+    <c:plotArea>
+      <c:layout/>
+      <c:barChart>
+        <c:barDir val="col"/>
+        <c:grouping val="clustered"/>
+        <c:varyColors val="0"/>
+        <c:ser>
+          <c:idx val="0"/>
+          <c:order val="0"/>
+          <c:tx>
+            <c:strRef>
+              <c:f>[SIA.xlsx]Sheet1!$A$30</c:f>
+              <c:strCache>
+                <c:ptCount val="1"/>
+                <c:pt idx="0">
+                  <c:v>Error en entrenamiento</c:v>
+                </c:pt>
+              </c:strCache>
+            </c:strRef>
+          </c:tx>
+          <c:invertIfNegative val="0"/>
+          <c:cat>
+            <c:strRef>
+              <c:f>[SIA.xlsx]Sheet1!$B$29:$C$29</c:f>
+              <c:strCache>
+                <c:ptCount val="2"/>
+                <c:pt idx="0">
+                  <c:v>RNA</c:v>
+                </c:pt>
+                <c:pt idx="1">
+                  <c:v>AG</c:v>
+                </c:pt>
+              </c:strCache>
+            </c:strRef>
+          </c:cat>
+          <c:val>
+            <c:numRef>
+              <c:f>[SIA.xlsx]Sheet1!$B$30:$C$30</c:f>
+              <c:numCache>
+                <c:formatCode>General</c:formatCode>
+                <c:ptCount val="2"/>
+                <c:pt idx="0">
+                  <c:v>2.5999999999999998E-4</c:v>
+                </c:pt>
+                <c:pt idx="1">
+                  <c:v>3.6000000000000002E-4</c:v>
+                </c:pt>
+              </c:numCache>
+            </c:numRef>
+          </c:val>
+        </c:ser>
+        <c:ser>
+          <c:idx val="1"/>
+          <c:order val="1"/>
+          <c:tx>
+            <c:strRef>
+              <c:f>[SIA.xlsx]Sheet1!$A$31</c:f>
+              <c:strCache>
+                <c:ptCount val="1"/>
+                <c:pt idx="0">
+                  <c:v>Error Global</c:v>
+                </c:pt>
+              </c:strCache>
+            </c:strRef>
+          </c:tx>
+          <c:invertIfNegative val="0"/>
+          <c:cat>
+            <c:strRef>
+              <c:f>[SIA.xlsx]Sheet1!$B$29:$C$29</c:f>
+              <c:strCache>
+                <c:ptCount val="2"/>
+                <c:pt idx="0">
+                  <c:v>RNA</c:v>
+                </c:pt>
+                <c:pt idx="1">
+                  <c:v>AG</c:v>
+                </c:pt>
+              </c:strCache>
+            </c:strRef>
+          </c:cat>
+          <c:val>
+            <c:numRef>
+              <c:f>[SIA.xlsx]Sheet1!$B$31:$C$31</c:f>
+              <c:numCache>
+                <c:formatCode>General</c:formatCode>
+                <c:ptCount val="2"/>
+                <c:pt idx="0">
+                  <c:v>2.7999999999999998E-4</c:v>
+                </c:pt>
+                <c:pt idx="1">
+                  <c:v>4.0000000000000002E-4</c:v>
+                </c:pt>
+              </c:numCache>
+            </c:numRef>
+          </c:val>
+        </c:ser>
+        <c:dLbls>
+          <c:showLegendKey val="0"/>
+          <c:showVal val="0"/>
+          <c:showCatName val="0"/>
+          <c:showSerName val="0"/>
+          <c:showPercent val="0"/>
+          <c:showBubbleSize val="0"/>
+        </c:dLbls>
+        <c:gapWidth val="150"/>
+        <c:axId val="67001728"/>
+        <c:axId val="67015808"/>
+      </c:barChart>
+      <c:catAx>
+        <c:axId val="67001728"/>
+        <c:scaling>
+          <c:orientation val="minMax"/>
+        </c:scaling>
+        <c:delete val="0"/>
+        <c:axPos val="b"/>
+        <c:majorTickMark val="out"/>
+        <c:minorTickMark val="none"/>
+        <c:tickLblPos val="nextTo"/>
+        <c:crossAx val="67015808"/>
+        <c:crosses val="autoZero"/>
+        <c:auto val="1"/>
+        <c:lblAlgn val="ctr"/>
+        <c:lblOffset val="100"/>
+        <c:noMultiLvlLbl val="0"/>
+      </c:catAx>
+      <c:valAx>
+        <c:axId val="67015808"/>
+        <c:scaling>
+          <c:orientation val="minMax"/>
+        </c:scaling>
+        <c:delete val="0"/>
+        <c:axPos val="l"/>
+        <c:majorGridlines/>
+        <c:numFmt formatCode="General" sourceLinked="1"/>
+        <c:majorTickMark val="out"/>
+        <c:minorTickMark val="none"/>
+        <c:tickLblPos val="nextTo"/>
+        <c:crossAx val="67001728"/>
         <c:crosses val="autoZero"/>
         <c:crossBetween val="between"/>
       </c:valAx>
@@ -1748,7 +2004,7 @@
           <a:p>
             <a:fld id="{475345EA-B40B-49E9-A421-0815CCE99116}" type="datetimeFigureOut">
               <a:rPr lang="es-AR" smtClean="0"/>
-              <a:t>6/10/13</a:t>
+              <a:t>12/06/2013</a:t>
             </a:fld>
             <a:endParaRPr lang="es-AR"/>
           </a:p>
@@ -1808,7 +2064,7 @@
           <a:p>
             <a:fld id="{3FB3D688-4210-4D3A-939E-30890ED5BCE0}" type="slidenum">
               <a:rPr lang="es-AR" smtClean="0"/>
-              <a:t>‹#›</a:t>
+              <a:t>‹Nº›</a:t>
             </a:fld>
             <a:endParaRPr lang="es-AR"/>
           </a:p>
@@ -1931,7 +2187,7 @@
           <a:p>
             <a:fld id="{475345EA-B40B-49E9-A421-0815CCE99116}" type="datetimeFigureOut">
               <a:rPr lang="es-AR" smtClean="0"/>
-              <a:t>6/10/13</a:t>
+              <a:t>12/06/2013</a:t>
             </a:fld>
             <a:endParaRPr lang="es-AR"/>
           </a:p>
@@ -1973,7 +2229,7 @@
           <a:p>
             <a:fld id="{3FB3D688-4210-4D3A-939E-30890ED5BCE0}" type="slidenum">
               <a:rPr lang="es-AR" smtClean="0"/>
-              <a:t>‹#›</a:t>
+              <a:t>‹Nº›</a:t>
             </a:fld>
             <a:endParaRPr lang="es-AR"/>
           </a:p>
@@ -2106,7 +2362,7 @@
           <a:p>
             <a:fld id="{475345EA-B40B-49E9-A421-0815CCE99116}" type="datetimeFigureOut">
               <a:rPr lang="es-AR" smtClean="0"/>
-              <a:t>6/10/13</a:t>
+              <a:t>12/06/2013</a:t>
             </a:fld>
             <a:endParaRPr lang="es-AR"/>
           </a:p>
@@ -2148,7 +2404,7 @@
           <a:p>
             <a:fld id="{3FB3D688-4210-4D3A-939E-30890ED5BCE0}" type="slidenum">
               <a:rPr lang="es-AR" smtClean="0"/>
-              <a:t>‹#›</a:t>
+              <a:t>‹Nº›</a:t>
             </a:fld>
             <a:endParaRPr lang="es-AR"/>
           </a:p>
@@ -2271,7 +2527,7 @@
           <a:p>
             <a:fld id="{475345EA-B40B-49E9-A421-0815CCE99116}" type="datetimeFigureOut">
               <a:rPr lang="es-AR" smtClean="0"/>
-              <a:t>6/10/13</a:t>
+              <a:t>12/06/2013</a:t>
             </a:fld>
             <a:endParaRPr lang="es-AR"/>
           </a:p>
@@ -2313,7 +2569,7 @@
           <a:p>
             <a:fld id="{3FB3D688-4210-4D3A-939E-30890ED5BCE0}" type="slidenum">
               <a:rPr lang="es-AR" smtClean="0"/>
-              <a:t>‹#›</a:t>
+              <a:t>‹Nº›</a:t>
             </a:fld>
             <a:endParaRPr lang="es-AR"/>
           </a:p>
@@ -2492,7 +2748,7 @@
           <a:p>
             <a:fld id="{475345EA-B40B-49E9-A421-0815CCE99116}" type="datetimeFigureOut">
               <a:rPr lang="es-AR" smtClean="0"/>
-              <a:t>6/10/13</a:t>
+              <a:t>12/06/2013</a:t>
             </a:fld>
             <a:endParaRPr lang="es-AR"/>
           </a:p>
@@ -2534,7 +2790,7 @@
           <a:p>
             <a:fld id="{3FB3D688-4210-4D3A-939E-30890ED5BCE0}" type="slidenum">
               <a:rPr lang="es-AR" smtClean="0"/>
-              <a:t>‹#›</a:t>
+              <a:t>‹Nº›</a:t>
             </a:fld>
             <a:endParaRPr lang="es-AR"/>
           </a:p>
@@ -2751,7 +3007,7 @@
           <a:p>
             <a:fld id="{475345EA-B40B-49E9-A421-0815CCE99116}" type="datetimeFigureOut">
               <a:rPr lang="es-AR" smtClean="0"/>
-              <a:t>6/10/13</a:t>
+              <a:t>12/06/2013</a:t>
             </a:fld>
             <a:endParaRPr lang="es-AR"/>
           </a:p>
@@ -2793,7 +3049,7 @@
           <a:p>
             <a:fld id="{3FB3D688-4210-4D3A-939E-30890ED5BCE0}" type="slidenum">
               <a:rPr lang="es-AR" smtClean="0"/>
-              <a:t>‹#›</a:t>
+              <a:t>‹Nº›</a:t>
             </a:fld>
             <a:endParaRPr lang="es-AR"/>
           </a:p>
@@ -3155,7 +3411,7 @@
           <a:p>
             <a:fld id="{475345EA-B40B-49E9-A421-0815CCE99116}" type="datetimeFigureOut">
               <a:rPr lang="es-AR" smtClean="0"/>
-              <a:t>6/10/13</a:t>
+              <a:t>12/06/2013</a:t>
             </a:fld>
             <a:endParaRPr lang="es-AR"/>
           </a:p>
@@ -3178,7 +3434,7 @@
           <a:p>
             <a:fld id="{3FB3D688-4210-4D3A-939E-30890ED5BCE0}" type="slidenum">
               <a:rPr lang="es-AR" smtClean="0"/>
-              <a:t>‹#›</a:t>
+              <a:t>‹Nº›</a:t>
             </a:fld>
             <a:endParaRPr lang="es-AR"/>
           </a:p>
@@ -3286,7 +3542,7 @@
           <a:p>
             <a:fld id="{475345EA-B40B-49E9-A421-0815CCE99116}" type="datetimeFigureOut">
               <a:rPr lang="es-AR" smtClean="0"/>
-              <a:t>6/10/13</a:t>
+              <a:t>12/06/2013</a:t>
             </a:fld>
             <a:endParaRPr lang="es-AR"/>
           </a:p>
@@ -3338,7 +3594,7 @@
           <a:p>
             <a:fld id="{3FB3D688-4210-4D3A-939E-30890ED5BCE0}" type="slidenum">
               <a:rPr lang="es-AR" smtClean="0"/>
-              <a:t>‹#›</a:t>
+              <a:t>‹Nº›</a:t>
             </a:fld>
             <a:endParaRPr lang="es-AR"/>
           </a:p>
@@ -3386,7 +3642,7 @@
           <a:p>
             <a:fld id="{475345EA-B40B-49E9-A421-0815CCE99116}" type="datetimeFigureOut">
               <a:rPr lang="es-AR" smtClean="0"/>
-              <a:t>6/10/13</a:t>
+              <a:t>12/06/2013</a:t>
             </a:fld>
             <a:endParaRPr lang="es-AR"/>
           </a:p>
@@ -3428,7 +3684,7 @@
           <a:p>
             <a:fld id="{3FB3D688-4210-4D3A-939E-30890ED5BCE0}" type="slidenum">
               <a:rPr lang="es-AR" smtClean="0"/>
-              <a:t>‹#›</a:t>
+              <a:t>‹Nº›</a:t>
             </a:fld>
             <a:endParaRPr lang="es-AR"/>
           </a:p>
@@ -3631,7 +3887,7 @@
           <a:p>
             <a:fld id="{475345EA-B40B-49E9-A421-0815CCE99116}" type="datetimeFigureOut">
               <a:rPr lang="es-AR" smtClean="0"/>
-              <a:t>6/10/13</a:t>
+              <a:t>12/06/2013</a:t>
             </a:fld>
             <a:endParaRPr lang="es-AR"/>
           </a:p>
@@ -3673,7 +3929,7 @@
           <a:p>
             <a:fld id="{3FB3D688-4210-4D3A-939E-30890ED5BCE0}" type="slidenum">
               <a:rPr lang="es-AR" smtClean="0"/>
-              <a:t>‹#›</a:t>
+              <a:t>‹Nº›</a:t>
             </a:fld>
             <a:endParaRPr lang="es-AR"/>
           </a:p>
@@ -3875,7 +4131,7 @@
           <a:p>
             <a:fld id="{475345EA-B40B-49E9-A421-0815CCE99116}" type="datetimeFigureOut">
               <a:rPr lang="es-AR" smtClean="0"/>
-              <a:t>6/10/13</a:t>
+              <a:t>12/06/2013</a:t>
             </a:fld>
             <a:endParaRPr lang="es-AR"/>
           </a:p>
@@ -3917,7 +4173,7 @@
           <a:p>
             <a:fld id="{3FB3D688-4210-4D3A-939E-30890ED5BCE0}" type="slidenum">
               <a:rPr lang="es-AR" smtClean="0"/>
-              <a:t>‹#›</a:t>
+              <a:t>‹Nº›</a:t>
             </a:fld>
             <a:endParaRPr lang="es-AR"/>
           </a:p>
@@ -4699,7 +4955,7 @@
           <a:p>
             <a:fld id="{475345EA-B40B-49E9-A421-0815CCE99116}" type="datetimeFigureOut">
               <a:rPr lang="es-AR" smtClean="0"/>
-              <a:t>6/10/13</a:t>
+              <a:t>12/06/2013</a:t>
             </a:fld>
             <a:endParaRPr lang="es-AR"/>
           </a:p>
@@ -4773,7 +5029,7 @@
           <a:p>
             <a:fld id="{3FB3D688-4210-4D3A-939E-30890ED5BCE0}" type="slidenum">
               <a:rPr lang="es-AR" smtClean="0"/>
-              <a:t>‹#›</a:t>
+              <a:t>‹Nº›</a:t>
             </a:fld>
             <a:endParaRPr lang="es-AR"/>
           </a:p>
@@ -5241,99 +5497,71 @@
         </p:nvSpPr>
         <p:spPr/>
         <p:txBody>
-          <a:bodyPr/>
-          <a:lstStyle/>
-          <a:p>
-            <a:r>
-              <a:rPr lang="en-US" dirty="0" err="1" smtClean="0"/>
+          <a:bodyPr>
+            <a:normAutofit/>
+          </a:bodyPr>
+          <a:lstStyle/>
+          <a:p>
+            <a:r>
+              <a:rPr lang="en-US" sz="2800" dirty="0" err="1" smtClean="0"/>
               <a:t>Algoritmos</a:t>
             </a:r>
             <a:r>
-              <a:rPr lang="en-US" dirty="0" smtClean="0"/>
+              <a:rPr lang="en-US" sz="2800" dirty="0" smtClean="0"/>
               <a:t> </a:t>
             </a:r>
             <a:r>
-              <a:rPr lang="en-US" dirty="0" err="1" smtClean="0"/>
+              <a:rPr lang="en-US" sz="2800" dirty="0" err="1" smtClean="0"/>
               <a:t>Genéticos</a:t>
             </a:r>
             <a:r>
-              <a:rPr lang="en-US" dirty="0" smtClean="0"/>
+              <a:rPr lang="en-US" sz="2800" dirty="0" smtClean="0"/>
               <a:t>: </a:t>
             </a:r>
             <a:r>
-              <a:rPr lang="en-US" dirty="0" err="1" smtClean="0"/>
-              <a:t>Reemplazo</a:t>
-            </a:r>
-            <a:endParaRPr lang="es-AR" dirty="0"/>
-          </a:p>
-        </p:txBody>
-      </p:sp>
-      <p:sp>
-        <p:nvSpPr>
-          <p:cNvPr id="3" name="Content Placeholder 2"/>
-          <p:cNvSpPr>
-            <a:spLocks noGrp="1"/>
-          </p:cNvSpPr>
+              <a:rPr lang="en-US" sz="2800" dirty="0" err="1" smtClean="0"/>
+              <a:t>Selección</a:t>
+            </a:r>
+            <a:r>
+              <a:rPr lang="en-US" sz="2800" dirty="0" smtClean="0"/>
+              <a:t> (</a:t>
+            </a:r>
+            <a:r>
+              <a:rPr lang="en-US" sz="2800" dirty="0" err="1" smtClean="0"/>
+              <a:t>reemplazo</a:t>
+            </a:r>
+            <a:r>
+              <a:rPr lang="en-US" sz="2800" dirty="0" smtClean="0"/>
+              <a:t>)</a:t>
+            </a:r>
+            <a:endParaRPr lang="es-AR" sz="2800" dirty="0"/>
+          </a:p>
+        </p:txBody>
+      </p:sp>
+      <p:graphicFrame>
+        <p:nvGraphicFramePr>
+          <p:cNvPr id="7" name="4 Gráfico"/>
+          <p:cNvGraphicFramePr>
+            <a:graphicFrameLocks noGrp="1"/>
+          </p:cNvGraphicFramePr>
           <p:nvPr>
             <p:ph idx="1"/>
           </p:nvPr>
-        </p:nvSpPr>
-        <p:spPr/>
-        <p:txBody>
-          <a:bodyPr/>
-          <a:lstStyle/>
-          <a:p>
-            <a:pPr>
-              <a:lnSpc>
-                <a:spcPct val="150000"/>
-              </a:lnSpc>
-            </a:pPr>
-            <a:r>
-              <a:rPr lang="en-US" b="1" dirty="0" err="1" smtClean="0"/>
-              <a:t>Método</a:t>
-            </a:r>
-            <a:r>
-              <a:rPr lang="en-US" b="1" dirty="0" smtClean="0"/>
-              <a:t> 1</a:t>
-            </a:r>
-          </a:p>
-          <a:p>
-            <a:pPr>
-              <a:lnSpc>
-                <a:spcPct val="150000"/>
-              </a:lnSpc>
-            </a:pPr>
-            <a:r>
-              <a:rPr lang="en-US" b="1" dirty="0" err="1" smtClean="0"/>
-              <a:t>Método</a:t>
-            </a:r>
-            <a:r>
-              <a:rPr lang="en-US" b="1" dirty="0" smtClean="0"/>
-              <a:t> 2</a:t>
-            </a:r>
-          </a:p>
-          <a:p>
-            <a:pPr>
-              <a:lnSpc>
-                <a:spcPct val="150000"/>
-              </a:lnSpc>
-            </a:pPr>
-            <a:r>
-              <a:rPr lang="en-US" b="1" dirty="0" err="1" smtClean="0"/>
-              <a:t>Método</a:t>
-            </a:r>
-            <a:r>
-              <a:rPr lang="en-US" b="1" dirty="0" smtClean="0"/>
-              <a:t> 3</a:t>
-            </a:r>
-            <a:endParaRPr lang="es-AR" b="1" dirty="0"/>
-          </a:p>
-        </p:txBody>
-      </p:sp>
+        </p:nvGraphicFramePr>
+        <p:xfrm>
+          <a:off x="457200" y="2249488"/>
+          <a:ext cx="8229600" cy="4324350"/>
+        </p:xfrm>
+        <a:graphic>
+          <a:graphicData uri="http://schemas.openxmlformats.org/drawingml/2006/chart">
+            <c:chart xmlns:c="http://schemas.openxmlformats.org/drawingml/2006/chart" xmlns:r="http://schemas.openxmlformats.org/officeDocument/2006/relationships" r:id="rId2"/>
+          </a:graphicData>
+        </a:graphic>
+      </p:graphicFrame>
     </p:spTree>
     <p:extLst>
       <p:ext uri="{BB962C8B-B14F-4D97-AF65-F5344CB8AC3E}">
-        <p14:creationId xmlns:p14="http://schemas.microsoft.com/office/powerpoint/2010/main" val="3671852782"/>
+        <p14:creationId xmlns:p14="http://schemas.microsoft.com/office/powerpoint/2010/main" val="3673331153"/>
       </p:ext>
     </p:extLst>
   </p:cSld>
@@ -5399,30 +5627,72 @@
           </a:p>
         </p:txBody>
       </p:sp>
-      <p:graphicFrame>
-        <p:nvGraphicFramePr>
-          <p:cNvPr id="4" name="Content Placeholder 3"/>
-          <p:cNvGraphicFramePr>
-            <a:graphicFrameLocks noGrp="1"/>
-          </p:cNvGraphicFramePr>
+      <p:sp>
+        <p:nvSpPr>
+          <p:cNvPr id="3" name="Content Placeholder 2"/>
+          <p:cNvSpPr>
+            <a:spLocks noGrp="1"/>
+          </p:cNvSpPr>
           <p:nvPr>
             <p:ph idx="1"/>
           </p:nvPr>
-        </p:nvGraphicFramePr>
-        <p:xfrm>
-          <a:off x="457200" y="2249488"/>
-          <a:ext cx="8229600" cy="4324350"/>
-        </p:xfrm>
-        <a:graphic>
-          <a:graphicData uri="http://schemas.openxmlformats.org/drawingml/2006/chart">
-            <c:chart xmlns:c="http://schemas.openxmlformats.org/drawingml/2006/chart" xmlns:r="http://schemas.openxmlformats.org/officeDocument/2006/relationships" r:id="rId2"/>
-          </a:graphicData>
-        </a:graphic>
-      </p:graphicFrame>
+        </p:nvSpPr>
+        <p:spPr/>
+        <p:txBody>
+          <a:bodyPr/>
+          <a:lstStyle/>
+          <a:p>
+            <a:pPr>
+              <a:lnSpc>
+                <a:spcPct val="150000"/>
+              </a:lnSpc>
+            </a:pPr>
+            <a:r>
+              <a:rPr lang="en-US" b="1" dirty="0" err="1" smtClean="0"/>
+              <a:t>Método</a:t>
+            </a:r>
+            <a:r>
+              <a:rPr lang="en-US" b="1" dirty="0" smtClean="0"/>
+              <a:t> 1</a:t>
+            </a:r>
+          </a:p>
+          <a:p>
+            <a:pPr>
+              <a:lnSpc>
+                <a:spcPct val="150000"/>
+              </a:lnSpc>
+            </a:pPr>
+            <a:r>
+              <a:rPr lang="en-US" b="1" dirty="0" err="1" smtClean="0"/>
+              <a:t>Método</a:t>
+            </a:r>
+            <a:r>
+              <a:rPr lang="en-US" b="1" dirty="0" smtClean="0"/>
+              <a:t> 2</a:t>
+            </a:r>
+          </a:p>
+          <a:p>
+            <a:pPr>
+              <a:lnSpc>
+                <a:spcPct val="150000"/>
+              </a:lnSpc>
+            </a:pPr>
+            <a:r>
+              <a:rPr lang="en-US" b="1" dirty="0" err="1" smtClean="0"/>
+              <a:t>Método</a:t>
+            </a:r>
+            <a:r>
+              <a:rPr lang="en-US" b="1" dirty="0" smtClean="0"/>
+              <a:t> 3</a:t>
+            </a:r>
+            <a:endParaRPr lang="es-AR" b="1" dirty="0"/>
+          </a:p>
+        </p:txBody>
+      </p:sp>
     </p:spTree>
     <p:extLst>
       <p:ext uri="{BB962C8B-B14F-4D97-AF65-F5344CB8AC3E}">
-        <p14:creationId xmlns:p14="http://schemas.microsoft.com/office/powerpoint/2010/main" val="1254467992"/>
+        <p14:creationId xmlns:p14="http://schemas.microsoft.com/office/powerpoint/2010/main" val="3671852782"/>
       </p:ext>
     </p:extLst>
   </p:cSld>
@@ -5461,75 +5731,57 @@
         </p:nvSpPr>
         <p:spPr/>
         <p:txBody>
-          <a:bodyPr>
-            <a:normAutofit/>
-          </a:bodyPr>
-          <a:lstStyle/>
-          <a:p>
-            <a:r>
-              <a:rPr lang="es-AR" sz="3200" dirty="0" smtClean="0"/>
-              <a:t>Algoritmos Genéticos: </a:t>
-            </a:r>
-            <a:r>
-              <a:rPr lang="es-AR" sz="3200" dirty="0" err="1" smtClean="0"/>
-              <a:t>Backpropagation</a:t>
-            </a:r>
-            <a:endParaRPr lang="es-AR" sz="3200" dirty="0"/>
-          </a:p>
-        </p:txBody>
-      </p:sp>
-      <p:sp>
-        <p:nvSpPr>
-          <p:cNvPr id="3" name="Content Placeholder 2"/>
-          <p:cNvSpPr>
-            <a:spLocks noGrp="1"/>
-          </p:cNvSpPr>
+          <a:bodyPr/>
+          <a:lstStyle/>
+          <a:p>
+            <a:r>
+              <a:rPr lang="en-US" dirty="0" err="1" smtClean="0"/>
+              <a:t>Algoritmos</a:t>
+            </a:r>
+            <a:r>
+              <a:rPr lang="en-US" dirty="0" smtClean="0"/>
+              <a:t> </a:t>
+            </a:r>
+            <a:r>
+              <a:rPr lang="en-US" dirty="0" err="1" smtClean="0"/>
+              <a:t>Genéticos</a:t>
+            </a:r>
+            <a:r>
+              <a:rPr lang="en-US" dirty="0" smtClean="0"/>
+              <a:t>: </a:t>
+            </a:r>
+            <a:r>
+              <a:rPr lang="en-US" dirty="0" err="1" smtClean="0"/>
+              <a:t>Reemplazo</a:t>
+            </a:r>
+            <a:endParaRPr lang="es-AR" dirty="0"/>
+          </a:p>
+        </p:txBody>
+      </p:sp>
+      <p:graphicFrame>
+        <p:nvGraphicFramePr>
+          <p:cNvPr id="5" name="5 Gráfico"/>
+          <p:cNvGraphicFramePr>
+            <a:graphicFrameLocks noGrp="1"/>
+          </p:cNvGraphicFramePr>
           <p:nvPr>
             <p:ph idx="1"/>
           </p:nvPr>
-        </p:nvSpPr>
-        <p:spPr/>
-        <p:txBody>
-          <a:bodyPr/>
-          <a:lstStyle/>
-          <a:p>
-            <a:pPr>
-              <a:lnSpc>
-                <a:spcPct val="150000"/>
-              </a:lnSpc>
-            </a:pPr>
-            <a:r>
-              <a:rPr lang="es-AR" dirty="0" smtClean="0"/>
-              <a:t>Es posible modificar la probabilidad de aplicar el operador genético de backpropagation.</a:t>
-            </a:r>
-          </a:p>
-          <a:p>
-            <a:pPr marL="109728" indent="0">
-              <a:lnSpc>
-                <a:spcPct val="90000"/>
-              </a:lnSpc>
-              <a:buNone/>
-            </a:pPr>
-            <a:endParaRPr lang="es-AR" dirty="0" smtClean="0"/>
-          </a:p>
-          <a:p>
-            <a:pPr>
-              <a:lnSpc>
-                <a:spcPct val="150000"/>
-              </a:lnSpc>
-            </a:pPr>
-            <a:r>
-              <a:rPr lang="es-AR" dirty="0" smtClean="0"/>
-              <a:t>Inclusive se puede quitar!</a:t>
-            </a:r>
-            <a:endParaRPr lang="es-AR" dirty="0"/>
-          </a:p>
-        </p:txBody>
-      </p:sp>
+        </p:nvGraphicFramePr>
+        <p:xfrm>
+          <a:off x="457200" y="2249488"/>
+          <a:ext cx="8229600" cy="4324350"/>
+        </p:xfrm>
+        <a:graphic>
+          <a:graphicData uri="http://schemas.openxmlformats.org/drawingml/2006/chart">
+            <c:chart xmlns:c="http://schemas.openxmlformats.org/drawingml/2006/chart" xmlns:r="http://schemas.openxmlformats.org/officeDocument/2006/relationships" r:id="rId2"/>
+          </a:graphicData>
+        </a:graphic>
+      </p:graphicFrame>
     </p:spTree>
     <p:extLst>
       <p:ext uri="{BB962C8B-B14F-4D97-AF65-F5344CB8AC3E}">
-        <p14:creationId xmlns:p14="http://schemas.microsoft.com/office/powerpoint/2010/main" val="4258994282"/>
+        <p14:creationId xmlns:p14="http://schemas.microsoft.com/office/powerpoint/2010/main" val="1254467992"/>
       </p:ext>
     </p:extLst>
   </p:cSld>
@@ -5558,7 +5810,7 @@
       </p:grpSpPr>
       <p:sp>
         <p:nvSpPr>
-          <p:cNvPr id="2" name="Title 1"/>
+          <p:cNvPr id="2" name="1 Título"/>
           <p:cNvSpPr>
             <a:spLocks noGrp="1"/>
           </p:cNvSpPr>
@@ -5568,47 +5820,50 @@
         </p:nvSpPr>
         <p:spPr/>
         <p:txBody>
-          <a:bodyPr>
-            <a:normAutofit/>
-          </a:bodyPr>
-          <a:lstStyle/>
-          <a:p>
-            <a:r>
-              <a:rPr lang="es-AR" sz="3200" dirty="0"/>
-              <a:t>Algoritmos Genéticos: </a:t>
-            </a:r>
-            <a:r>
-              <a:rPr lang="es-AR" sz="3200" dirty="0" err="1"/>
-              <a:t>Backpropagation</a:t>
-            </a:r>
-            <a:endParaRPr lang="es-AR" sz="3200" dirty="0"/>
-          </a:p>
-        </p:txBody>
-      </p:sp>
-      <p:graphicFrame>
-        <p:nvGraphicFramePr>
-          <p:cNvPr id="4" name="Content Placeholder 3"/>
-          <p:cNvGraphicFramePr>
-            <a:graphicFrameLocks noGrp="1"/>
-          </p:cNvGraphicFramePr>
+          <a:bodyPr/>
+          <a:lstStyle/>
+          <a:p>
+            <a:r>
+              <a:rPr lang="es-ES_tradnl" dirty="0" smtClean="0"/>
+              <a:t>Algoritmos Genéticos: Resultados</a:t>
+            </a:r>
+            <a:endParaRPr lang="es-AR" dirty="0"/>
+          </a:p>
+        </p:txBody>
+      </p:sp>
+      <p:pic>
+        <p:nvPicPr>
+          <p:cNvPr id="4" name="3 Marcador de contenido"/>
+          <p:cNvPicPr>
+            <a:picLocks noGrp="1" noChangeAspect="1"/>
+          </p:cNvPicPr>
           <p:nvPr>
             <p:ph idx="1"/>
           </p:nvPr>
-        </p:nvGraphicFramePr>
-        <p:xfrm>
-          <a:off x="457200" y="2249488"/>
-          <a:ext cx="8229600" cy="4324350"/>
-        </p:xfrm>
-        <a:graphic>
-          <a:graphicData uri="http://schemas.openxmlformats.org/drawingml/2006/chart">
-            <c:chart xmlns:c="http://schemas.openxmlformats.org/drawingml/2006/chart" xmlns:r="http://schemas.openxmlformats.org/officeDocument/2006/relationships" r:id="rId2"/>
-          </a:graphicData>
-        </a:graphic>
-      </p:graphicFrame>
+        </p:nvPicPr>
+        <p:blipFill>
+          <a:blip r:embed="rId2">
+            <a:extLst>
+              <a:ext uri="{28A0092B-C50C-407E-A947-70E740481C1C}">
+                <a14:useLocalDpi xmlns:a14="http://schemas.microsoft.com/office/drawing/2010/main" val="0"/>
+              </a:ext>
+            </a:extLst>
+          </a:blip>
+          <a:stretch>
+            <a:fillRect/>
+          </a:stretch>
+        </p:blipFill>
+        <p:spPr>
+          <a:xfrm>
+            <a:off x="1689100" y="2249488"/>
+            <a:ext cx="5765800" cy="4324350"/>
+          </a:xfrm>
+        </p:spPr>
+      </p:pic>
     </p:spTree>
     <p:extLst>
       <p:ext uri="{BB962C8B-B14F-4D97-AF65-F5344CB8AC3E}">
-        <p14:creationId xmlns:p14="http://schemas.microsoft.com/office/powerpoint/2010/main" val="206438794"/>
+        <p14:creationId xmlns:p14="http://schemas.microsoft.com/office/powerpoint/2010/main" val="1768268518"/>
       </p:ext>
     </p:extLst>
   </p:cSld>
@@ -5735,7 +5990,7 @@
             </a:pPr>
             <a:r>
               <a:rPr lang="en-US" sz="3600" dirty="0" smtClean="0"/>
-              <a:t>0.00028</a:t>
+              <a:t>0.00036</a:t>
             </a:r>
             <a:endParaRPr lang="en-US" dirty="0"/>
           </a:p>
@@ -5789,7 +6044,7 @@
             </a:pPr>
             <a:r>
               <a:rPr lang="en-US" sz="3600" b="1" dirty="0" smtClean="0"/>
-              <a:t>0.00039</a:t>
+              <a:t>0.00040</a:t>
             </a:r>
             <a:endParaRPr lang="en-US" b="1" dirty="0"/>
           </a:p>
@@ -5850,9 +6105,9 @@
       </p:sp>
       <p:graphicFrame>
         <p:nvGraphicFramePr>
-          <p:cNvPr id="5" name="Object 2"/>
+          <p:cNvPr id="6" name="6 Gráfico"/>
           <p:cNvGraphicFramePr>
-            <a:graphicFrameLocks noGrp="1" noChangeAspect="1"/>
+            <a:graphicFrameLocks noGrp="1"/>
           </p:cNvGraphicFramePr>
           <p:nvPr>
             <p:ph idx="1"/>
@@ -5863,76 +6118,8 @@
           <a:ext cx="8229600" cy="4324350"/>
         </p:xfrm>
         <a:graphic>
-          <a:graphicData uri="http://schemas.openxmlformats.org/presentationml/2006/ole">
-            <mc:AlternateContent xmlns:mc="http://schemas.openxmlformats.org/markup-compatibility/2006">
-              <mc:Choice xmlns:v="urn:schemas-microsoft-com:vml" Requires="v">
-                <p:oleObj spid="_x0000_s1026" r:id="rId3" imgW="8229600" imgH="4324320" progId="">
-                  <p:embed/>
-                </p:oleObj>
-              </mc:Choice>
-              <mc:Fallback>
-                <p:oleObj r:id="rId3" imgW="8229600" imgH="4324320" progId="">
-                  <p:embed/>
-                  <p:pic>
-                    <p:nvPicPr>
-                      <p:cNvPr id="0" name=""/>
-                      <p:cNvPicPr>
-                        <a:picLocks noChangeAspect="1" noChangeArrowheads="1"/>
-                      </p:cNvPicPr>
-                      <p:nvPr/>
-                    </p:nvPicPr>
-                    <p:blipFill>
-                      <a:blip r:embed="rId4">
-                        <a:extLst>
-                          <a:ext uri="{28A0092B-C50C-407E-A947-70E740481C1C}">
-                            <a14:useLocalDpi xmlns:a14="http://schemas.microsoft.com/office/drawing/2010/main" val="0"/>
-                          </a:ext>
-                        </a:extLst>
-                      </a:blip>
-                      <a:srcRect/>
-                      <a:stretch>
-                        <a:fillRect/>
-                      </a:stretch>
-                    </p:blipFill>
-                    <p:spPr bwMode="auto">
-                      <a:xfrm>
-                        <a:off x="457200" y="2249488"/>
-                        <a:ext cx="8229600" cy="4324350"/>
-                      </a:xfrm>
-                      <a:prstGeom prst="rect">
-                        <a:avLst/>
-                      </a:prstGeom>
-                      <a:noFill/>
-                      <a:effectLst/>
-                      <a:extLst>
-                        <a:ext uri="{909E8E84-426E-40dd-AFC4-6F175D3DCCD1}">
-                          <a14:hiddenFill xmlns:a14="http://schemas.microsoft.com/office/drawing/2010/main">
-                            <a:blipFill dpi="0" rotWithShape="0">
-                              <a:blip/>
-                              <a:srcRect/>
-                              <a:stretch>
-                                <a:fillRect/>
-                              </a:stretch>
-                            </a:blipFill>
-                          </a14:hiddenFill>
-                        </a:ext>
-                        <a:ext uri="{AF507438-7753-43e0-B8FC-AC1667EBCBE1}">
-                          <a14:hiddenEffects xmlns:a14="http://schemas.microsoft.com/office/drawing/2010/main">
-                            <a:effectLst>
-                              <a:outerShdw blurRad="63500" dist="38099" dir="2700000" algn="ctr" rotWithShape="0">
-                                <a:srgbClr val="000000">
-                                  <a:alpha val="74998"/>
-                                </a:srgbClr>
-                              </a:outerShdw>
-                            </a:effectLst>
-                          </a14:hiddenEffects>
-                        </a:ext>
-                      </a:extLst>
-                    </p:spPr>
-                  </p:pic>
-                </p:oleObj>
-              </mc:Fallback>
-            </mc:AlternateContent>
+          <a:graphicData uri="http://schemas.openxmlformats.org/drawingml/2006/chart">
+            <c:chart xmlns:c="http://schemas.openxmlformats.org/drawingml/2006/chart" xmlns:r="http://schemas.openxmlformats.org/officeDocument/2006/relationships" r:id="rId2"/>
           </a:graphicData>
         </a:graphic>
       </p:graphicFrame>
@@ -6024,7 +6211,7 @@
           <a:p>
             <a:r>
               <a:rPr lang="es-AR" dirty="0" smtClean="0"/>
-              <a:t>Sin elitismo es casi una random search :/</a:t>
+              <a:t>Elitismo es bueno para apareamiento pero malo para reemplazo.</a:t>
             </a:r>
           </a:p>
           <a:p>
@@ -6435,7 +6622,7 @@
             </a:r>
             <a:r>
               <a:rPr lang="en-US" sz="2400" dirty="0" smtClean="0"/>
-              <a:t>-&gt; Error </a:t>
+              <a:t>-&gt; 1 /Error </a:t>
             </a:r>
             <a:r>
               <a:rPr lang="en-US" sz="2400" dirty="0" err="1"/>
@@ -6450,12 +6637,12 @@
               <a:t> </a:t>
             </a:r>
             <a:r>
-              <a:rPr lang="en-US" sz="2400" dirty="0" err="1"/>
-              <a:t>m</a:t>
-            </a:r>
-            <a:r>
               <a:rPr lang="en-US" sz="2400" dirty="0" err="1" smtClean="0"/>
-              <a:t>edio</a:t>
+              <a:t>medio</a:t>
+            </a:r>
+            <a:r>
+              <a:rPr lang="en-US" sz="2400" dirty="0" smtClean="0"/>
+              <a:t> </a:t>
             </a:r>
             <a:endParaRPr lang="en-US" dirty="0" smtClean="0"/>
           </a:p>
@@ -6720,7 +6907,7 @@
       </p:sp>
       <p:graphicFrame>
         <p:nvGraphicFramePr>
-          <p:cNvPr id="5" name="Content Placeholder 4"/>
+          <p:cNvPr id="6" name="1 Gráfico"/>
           <p:cNvGraphicFramePr>
             <a:graphicFrameLocks noGrp="1"/>
           </p:cNvGraphicFramePr>
@@ -6950,7 +7137,7 @@
       </p:sp>
       <p:graphicFrame>
         <p:nvGraphicFramePr>
-          <p:cNvPr id="4" name="Content Placeholder 3"/>
+          <p:cNvPr id="6" name="Chart 3"/>
           <p:cNvGraphicFramePr>
             <a:graphicFrameLocks noGrp="1"/>
           </p:cNvGraphicFramePr>
@@ -7193,32 +7380,36 @@
           <a:lstStyle/>
           <a:p>
             <a:r>
-              <a:rPr lang="en-US" dirty="0" err="1" smtClean="0"/>
+              <a:rPr lang="en-US" sz="3200" dirty="0" err="1" smtClean="0"/>
               <a:t>Algoritmos</a:t>
             </a:r>
             <a:r>
-              <a:rPr lang="en-US" dirty="0" smtClean="0"/>
+              <a:rPr lang="en-US" sz="3200" dirty="0" smtClean="0"/>
               <a:t> </a:t>
             </a:r>
             <a:r>
-              <a:rPr lang="en-US" dirty="0" err="1" smtClean="0"/>
+              <a:rPr lang="en-US" sz="3200" dirty="0" err="1" smtClean="0"/>
               <a:t>Genéticos</a:t>
             </a:r>
             <a:r>
-              <a:rPr lang="en-US" dirty="0" smtClean="0"/>
+              <a:rPr lang="en-US" sz="3200" dirty="0" smtClean="0"/>
               <a:t>: </a:t>
             </a:r>
             <a:r>
-              <a:rPr lang="en-US" dirty="0" err="1" smtClean="0"/>
+              <a:rPr lang="en-US" sz="3200" dirty="0" err="1" smtClean="0"/>
               <a:t>Selección</a:t>
             </a:r>
-            <a:endParaRPr lang="es-AR" dirty="0"/>
+            <a:r>
+              <a:rPr lang="en-US" sz="3200" dirty="0" smtClean="0"/>
+              <a:t> (padres)</a:t>
+            </a:r>
+            <a:endParaRPr lang="es-AR" sz="3200" dirty="0"/>
           </a:p>
         </p:txBody>
       </p:sp>
       <p:graphicFrame>
         <p:nvGraphicFramePr>
-          <p:cNvPr id="4" name="Content Placeholder 3"/>
+          <p:cNvPr id="5" name="4 Marcador de contenido"/>
           <p:cNvGraphicFramePr>
             <a:graphicFrameLocks noGrp="1"/>
           </p:cNvGraphicFramePr>
